--- a/documentation/Data centres - all things used as inputs.pptx
+++ b/documentation/Data centres - all things used as inputs.pptx
@@ -25,6 +25,7 @@
     <p:sldId id="273" r:id="rId19"/>
     <p:sldId id="274" r:id="rId20"/>
     <p:sldId id="275" r:id="rId21"/>
+    <p:sldId id="276" r:id="rId22"/>
   </p:sldIdLst>
   <p:sldSz cx="12192000" cy="6858000"/>
   <p:notesSz cx="6858000" cy="9144000"/>
@@ -278,7 +279,7 @@
           <a:p>
             <a:fld id="{BB61594E-0383-42A7-8AE6-F7EB3EDFC0B3}" type="datetimeFigureOut">
               <a:rPr lang="en-US" smtClean="0"/>
-              <a:t>11/11/2024</a:t>
+              <a:t>11/12/2024</a:t>
             </a:fld>
             <a:endParaRPr lang="en-US"/>
           </a:p>
@@ -476,7 +477,7 @@
           <a:p>
             <a:fld id="{BB61594E-0383-42A7-8AE6-F7EB3EDFC0B3}" type="datetimeFigureOut">
               <a:rPr lang="en-US" smtClean="0"/>
-              <a:t>11/11/2024</a:t>
+              <a:t>11/12/2024</a:t>
             </a:fld>
             <a:endParaRPr lang="en-US"/>
           </a:p>
@@ -684,7 +685,7 @@
           <a:p>
             <a:fld id="{BB61594E-0383-42A7-8AE6-F7EB3EDFC0B3}" type="datetimeFigureOut">
               <a:rPr lang="en-US" smtClean="0"/>
-              <a:t>11/11/2024</a:t>
+              <a:t>11/12/2024</a:t>
             </a:fld>
             <a:endParaRPr lang="en-US"/>
           </a:p>
@@ -882,7 +883,7 @@
           <a:p>
             <a:fld id="{BB61594E-0383-42A7-8AE6-F7EB3EDFC0B3}" type="datetimeFigureOut">
               <a:rPr lang="en-US" smtClean="0"/>
-              <a:t>11/11/2024</a:t>
+              <a:t>11/12/2024</a:t>
             </a:fld>
             <a:endParaRPr lang="en-US"/>
           </a:p>
@@ -1157,7 +1158,7 @@
           <a:p>
             <a:fld id="{BB61594E-0383-42A7-8AE6-F7EB3EDFC0B3}" type="datetimeFigureOut">
               <a:rPr lang="en-US" smtClean="0"/>
-              <a:t>11/11/2024</a:t>
+              <a:t>11/12/2024</a:t>
             </a:fld>
             <a:endParaRPr lang="en-US"/>
           </a:p>
@@ -1422,7 +1423,7 @@
           <a:p>
             <a:fld id="{BB61594E-0383-42A7-8AE6-F7EB3EDFC0B3}" type="datetimeFigureOut">
               <a:rPr lang="en-US" smtClean="0"/>
-              <a:t>11/11/2024</a:t>
+              <a:t>11/12/2024</a:t>
             </a:fld>
             <a:endParaRPr lang="en-US"/>
           </a:p>
@@ -1834,7 +1835,7 @@
           <a:p>
             <a:fld id="{BB61594E-0383-42A7-8AE6-F7EB3EDFC0B3}" type="datetimeFigureOut">
               <a:rPr lang="en-US" smtClean="0"/>
-              <a:t>11/11/2024</a:t>
+              <a:t>11/12/2024</a:t>
             </a:fld>
             <a:endParaRPr lang="en-US"/>
           </a:p>
@@ -1975,7 +1976,7 @@
           <a:p>
             <a:fld id="{BB61594E-0383-42A7-8AE6-F7EB3EDFC0B3}" type="datetimeFigureOut">
               <a:rPr lang="en-US" smtClean="0"/>
-              <a:t>11/11/2024</a:t>
+              <a:t>11/12/2024</a:t>
             </a:fld>
             <a:endParaRPr lang="en-US"/>
           </a:p>
@@ -2088,7 +2089,7 @@
           <a:p>
             <a:fld id="{BB61594E-0383-42A7-8AE6-F7EB3EDFC0B3}" type="datetimeFigureOut">
               <a:rPr lang="en-US" smtClean="0"/>
-              <a:t>11/11/2024</a:t>
+              <a:t>11/12/2024</a:t>
             </a:fld>
             <a:endParaRPr lang="en-US"/>
           </a:p>
@@ -2399,7 +2400,7 @@
           <a:p>
             <a:fld id="{BB61594E-0383-42A7-8AE6-F7EB3EDFC0B3}" type="datetimeFigureOut">
               <a:rPr lang="en-US" smtClean="0"/>
-              <a:t>11/11/2024</a:t>
+              <a:t>11/12/2024</a:t>
             </a:fld>
             <a:endParaRPr lang="en-US"/>
           </a:p>
@@ -2687,7 +2688,7 @@
           <a:p>
             <a:fld id="{BB61594E-0383-42A7-8AE6-F7EB3EDFC0B3}" type="datetimeFigureOut">
               <a:rPr lang="en-US" smtClean="0"/>
-              <a:t>11/11/2024</a:t>
+              <a:t>11/12/2024</a:t>
             </a:fld>
             <a:endParaRPr lang="en-US"/>
           </a:p>
@@ -2928,7 +2929,7 @@
           <a:p>
             <a:fld id="{BB61594E-0383-42A7-8AE6-F7EB3EDFC0B3}" type="datetimeFigureOut">
               <a:rPr lang="en-US" smtClean="0"/>
-              <a:t>11/11/2024</a:t>
+              <a:t>11/12/2024</a:t>
             </a:fld>
             <a:endParaRPr lang="en-US"/>
           </a:p>
@@ -3399,7 +3400,18 @@
           <a:bodyPr/>
           <a:lstStyle/>
           <a:p>
-            <a:endParaRPr lang="en-US"/>
+            <a:r>
+              <a:rPr lang="en-US" dirty="0"/>
+              <a:t>This file contains snippets of graphs and things I found interesting or useful in crafting the projections of growth rates, new capacity, intensity, ai/data-</a:t>
+            </a:r>
+            <a:r>
+              <a:rPr lang="en-US" dirty="0" err="1"/>
+              <a:t>centre</a:t>
+            </a:r>
+            <a:r>
+              <a:rPr lang="en-US" dirty="0"/>
+              <a:t> capacity ratios and so on.</a:t>
+            </a:r>
           </a:p>
         </p:txBody>
       </p:sp>
@@ -3454,7 +3466,11 @@
           <a:bodyPr/>
           <a:lstStyle/>
           <a:p>
-            <a:endParaRPr lang="en-US"/>
+            <a:r>
+              <a:rPr lang="en-US" dirty="0" err="1"/>
+              <a:t>iea</a:t>
+            </a:r>
+            <a:endParaRPr lang="en-US" dirty="0"/>
           </a:p>
         </p:txBody>
       </p:sp>
@@ -3505,7 +3521,7 @@
         </p:blipFill>
         <p:spPr>
           <a:xfrm>
-            <a:off x="2395021" y="251969"/>
+            <a:off x="1796306" y="1318769"/>
             <a:ext cx="7401958" cy="6354062"/>
           </a:xfrm>
           <a:prstGeom prst="rect">
@@ -5035,6 +5051,200 @@
 </p:sld>
 </file>
 
+<file path=ppt/slides/slide21.xml><?xml version="1.0" encoding="utf-8"?>
+<p:sld xmlns:a="http://schemas.openxmlformats.org/drawingml/2006/main" xmlns:r="http://schemas.openxmlformats.org/officeDocument/2006/relationships" xmlns:p="http://schemas.openxmlformats.org/presentationml/2006/main">
+  <p:cSld>
+    <p:spTree>
+      <p:nvGrpSpPr>
+        <p:cNvPr id="1" name=""/>
+        <p:cNvGrpSpPr/>
+        <p:nvPr/>
+      </p:nvGrpSpPr>
+      <p:grpSpPr>
+        <a:xfrm>
+          <a:off x="0" y="0"/>
+          <a:ext cx="0" cy="0"/>
+          <a:chOff x="0" y="0"/>
+          <a:chExt cx="0" cy="0"/>
+        </a:xfrm>
+      </p:grpSpPr>
+      <p:sp>
+        <p:nvSpPr>
+          <p:cNvPr id="2" name="Title 1">
+            <a:extLst>
+              <a:ext uri="{FF2B5EF4-FFF2-40B4-BE49-F238E27FC236}">
+                <a16:creationId xmlns:a16="http://schemas.microsoft.com/office/drawing/2014/main" id="{073384F4-20E7-69AC-4B18-F347483E1FA0}"/>
+              </a:ext>
+            </a:extLst>
+          </p:cNvPr>
+          <p:cNvSpPr>
+            <a:spLocks noGrp="1"/>
+          </p:cNvSpPr>
+          <p:nvPr>
+            <p:ph type="title"/>
+          </p:nvPr>
+        </p:nvSpPr>
+        <p:spPr/>
+        <p:txBody>
+          <a:bodyPr/>
+          <a:lstStyle/>
+          <a:p>
+            <a:endParaRPr lang="en-US"/>
+          </a:p>
+        </p:txBody>
+      </p:sp>
+      <p:sp>
+        <p:nvSpPr>
+          <p:cNvPr id="3" name="Content Placeholder 2">
+            <a:extLst>
+              <a:ext uri="{FF2B5EF4-FFF2-40B4-BE49-F238E27FC236}">
+                <a16:creationId xmlns:a16="http://schemas.microsoft.com/office/drawing/2014/main" id="{8C90DDC6-52BB-E5DC-A921-0F9EEA107553}"/>
+              </a:ext>
+            </a:extLst>
+          </p:cNvPr>
+          <p:cNvSpPr>
+            <a:spLocks noGrp="1"/>
+          </p:cNvSpPr>
+          <p:nvPr>
+            <p:ph idx="1"/>
+          </p:nvPr>
+        </p:nvSpPr>
+        <p:spPr>
+          <a:xfrm>
+            <a:off x="8982074" y="547308"/>
+            <a:ext cx="2867025" cy="5676901"/>
+          </a:xfrm>
+        </p:spPr>
+        <p:txBody>
+          <a:bodyPr>
+            <a:normAutofit fontScale="70000" lnSpcReduction="20000"/>
+          </a:bodyPr>
+          <a:lstStyle/>
+          <a:p>
+            <a:r>
+              <a:rPr lang="en-US" dirty="0"/>
+              <a:t>Hi, just as a first </a:t>
+            </a:r>
+            <a:r>
+              <a:rPr lang="en-US" dirty="0" err="1"/>
+              <a:t>estiamte</a:t>
+            </a:r>
+            <a:r>
+              <a:rPr lang="en-US" dirty="0"/>
+              <a:t> to help understand the general trajectory of </a:t>
+            </a:r>
+            <a:r>
+              <a:rPr lang="en-US" dirty="0" err="1"/>
+              <a:t>aperc</a:t>
+            </a:r>
+            <a:r>
+              <a:rPr lang="en-US" dirty="0"/>
+              <a:t> total data </a:t>
+            </a:r>
+            <a:r>
+              <a:rPr lang="en-US" dirty="0" err="1"/>
+              <a:t>centres</a:t>
+            </a:r>
+            <a:r>
+              <a:rPr lang="en-US" dirty="0"/>
+              <a:t> demand </a:t>
+            </a:r>
+            <a:r>
+              <a:rPr lang="en-US" dirty="0" err="1"/>
+              <a:t>i</a:t>
+            </a:r>
+            <a:r>
+              <a:rPr lang="en-US" dirty="0"/>
+              <a:t> have done USA's projection using this G-Sachs report from May this year:</a:t>
+            </a:r>
+          </a:p>
+          <a:p>
+            <a:endParaRPr lang="en-US" dirty="0"/>
+          </a:p>
+          <a:p>
+            <a:r>
+              <a:rPr lang="en-US" dirty="0">
+                <a:hlinkClick r:id="rId2"/>
+              </a:rPr>
+              <a:t>https://www.goldmansachs.com/pdfs/insights/pages/generational-growth-ai-data-centers-and-the-coming-us-power-surge/report.pdf</a:t>
+            </a:r>
+            <a:endParaRPr lang="en-US" dirty="0"/>
+          </a:p>
+          <a:p>
+            <a:r>
+              <a:rPr lang="en-US" dirty="0"/>
+              <a:t>Note 1050 </a:t>
+            </a:r>
+            <a:r>
+              <a:rPr lang="en-US" dirty="0" err="1"/>
+              <a:t>twh</a:t>
+            </a:r>
+            <a:r>
+              <a:rPr lang="en-US" dirty="0"/>
+              <a:t> is 3780pj, 200 </a:t>
+            </a:r>
+            <a:r>
+              <a:rPr lang="en-US" dirty="0" err="1"/>
+              <a:t>twh</a:t>
+            </a:r>
+            <a:r>
+              <a:rPr lang="en-US" dirty="0"/>
+              <a:t> is 720pj , 850 </a:t>
+            </a:r>
+            <a:r>
+              <a:rPr lang="en-US" dirty="0" err="1"/>
+              <a:t>twh</a:t>
+            </a:r>
+            <a:r>
+              <a:rPr lang="en-US" dirty="0"/>
+              <a:t> is 3060pj </a:t>
+            </a:r>
+          </a:p>
+        </p:txBody>
+      </p:sp>
+      <p:pic>
+        <p:nvPicPr>
+          <p:cNvPr id="5" name="Picture 4">
+            <a:extLst>
+              <a:ext uri="{FF2B5EF4-FFF2-40B4-BE49-F238E27FC236}">
+                <a16:creationId xmlns:a16="http://schemas.microsoft.com/office/drawing/2014/main" id="{99D67208-9983-496F-E2DC-C680E1B48FC5}"/>
+              </a:ext>
+            </a:extLst>
+          </p:cNvPr>
+          <p:cNvPicPr>
+            <a:picLocks noChangeAspect="1"/>
+          </p:cNvPicPr>
+          <p:nvPr/>
+        </p:nvPicPr>
+        <p:blipFill>
+          <a:blip r:embed="rId3"/>
+          <a:stretch>
+            <a:fillRect/>
+          </a:stretch>
+        </p:blipFill>
+        <p:spPr>
+          <a:xfrm>
+            <a:off x="123264" y="547308"/>
+            <a:ext cx="8040222" cy="5439534"/>
+          </a:xfrm>
+          <a:prstGeom prst="rect">
+            <a:avLst/>
+          </a:prstGeom>
+        </p:spPr>
+      </p:pic>
+    </p:spTree>
+    <p:extLst>
+      <p:ext uri="{BB962C8B-B14F-4D97-AF65-F5344CB8AC3E}">
+        <p14:creationId xmlns:p14="http://schemas.microsoft.com/office/powerpoint/2010/main" val="3081745089"/>
+      </p:ext>
+    </p:extLst>
+  </p:cSld>
+  <p:clrMapOvr>
+    <a:masterClrMapping/>
+  </p:clrMapOvr>
+</p:sld>
+</file>
+
 <file path=ppt/slides/slide3.xml><?xml version="1.0" encoding="utf-8"?>
 <p:sld xmlns:a="http://schemas.openxmlformats.org/drawingml/2006/main" xmlns:r="http://schemas.openxmlformats.org/officeDocument/2006/relationships" xmlns:p="http://schemas.openxmlformats.org/presentationml/2006/main">
   <p:cSld>
@@ -5073,7 +5283,27 @@
           <a:bodyPr/>
           <a:lstStyle/>
           <a:p>
-            <a:endParaRPr lang="en-US"/>
+            <a:r>
+              <a:rPr lang="en-US" dirty="0" err="1"/>
+              <a:t>Iea</a:t>
+            </a:r>
+            <a:r>
+              <a:rPr lang="en-US" dirty="0"/>
+              <a:t> – think its found by searching up ‘</a:t>
+            </a:r>
+            <a:r>
+              <a:rPr lang="en-US" dirty="0" err="1"/>
+              <a:t>iea</a:t>
+            </a:r>
+            <a:r>
+              <a:rPr lang="en-US" dirty="0"/>
+              <a:t> </a:t>
+            </a:r>
+            <a:r>
+              <a:rPr lang="en-US" dirty="0" err="1"/>
+              <a:t>datacentres’</a:t>
+            </a:r>
+            <a:endParaRPr lang="en-US" dirty="0"/>
           </a:p>
         </p:txBody>
       </p:sp>
@@ -5243,7 +5473,14 @@
           <a:bodyPr/>
           <a:lstStyle/>
           <a:p>
-            <a:endParaRPr lang="en-US"/>
+            <a:r>
+              <a:rPr lang="en-US" dirty="0" err="1"/>
+              <a:t>Iea</a:t>
+            </a:r>
+            <a:r>
+              <a:rPr lang="en-US" dirty="0"/>
+              <a:t> cont.</a:t>
+            </a:r>
           </a:p>
         </p:txBody>
       </p:sp>
@@ -5702,7 +5939,7 @@
           <a:p>
             <a:r>
               <a:rPr lang="en-US" dirty="0"/>
-              <a:t>Important topics</a:t>
+              <a:t>Important topics we could mention in discussion</a:t>
             </a:r>
           </a:p>
         </p:txBody>
@@ -5826,7 +6063,22 @@
           <a:bodyPr/>
           <a:lstStyle/>
           <a:p>
-            <a:endParaRPr lang="en-US"/>
+            <a:r>
+              <a:rPr lang="en-US" dirty="0" err="1"/>
+              <a:t>Nz</a:t>
+            </a:r>
+            <a:r>
+              <a:rPr lang="en-US" dirty="0"/>
+              <a:t> </a:t>
+            </a:r>
+            <a:r>
+              <a:rPr lang="en-US" dirty="0" err="1"/>
+              <a:t>edgs</a:t>
+            </a:r>
+            <a:r>
+              <a:rPr lang="en-US" dirty="0"/>
+              <a:t> scenarios modelling</a:t>
+            </a:r>
           </a:p>
         </p:txBody>
       </p:sp>
@@ -5877,7 +6129,7 @@
         </p:blipFill>
         <p:spPr>
           <a:xfrm>
-            <a:off x="2550428" y="589358"/>
+            <a:off x="2833232" y="1690688"/>
             <a:ext cx="6525536" cy="5830114"/>
           </a:xfrm>
           <a:prstGeom prst="rect">

--- a/documentation/Data centres - all things used as inputs.pptx
+++ b/documentation/Data centres - all things used as inputs.pptx
@@ -4,6 +4,9 @@
   <p:sldMasterIdLst>
     <p:sldMasterId id="2147483648" r:id="rId1"/>
   </p:sldMasterIdLst>
+  <p:notesMasterIdLst>
+    <p:notesMasterId r:id="rId34"/>
+  </p:notesMasterIdLst>
   <p:sldIdLst>
     <p:sldId id="256" r:id="rId2"/>
     <p:sldId id="257" r:id="rId3"/>
@@ -22,10 +25,21 @@
     <p:sldId id="269" r:id="rId16"/>
     <p:sldId id="270" r:id="rId17"/>
     <p:sldId id="271" r:id="rId18"/>
-    <p:sldId id="273" r:id="rId19"/>
-    <p:sldId id="274" r:id="rId20"/>
-    <p:sldId id="275" r:id="rId21"/>
-    <p:sldId id="276" r:id="rId22"/>
+    <p:sldId id="274" r:id="rId19"/>
+    <p:sldId id="275" r:id="rId20"/>
+    <p:sldId id="285" r:id="rId21"/>
+    <p:sldId id="284" r:id="rId22"/>
+    <p:sldId id="276" r:id="rId23"/>
+    <p:sldId id="273" r:id="rId24"/>
+    <p:sldId id="277" r:id="rId25"/>
+    <p:sldId id="278" r:id="rId26"/>
+    <p:sldId id="280" r:id="rId27"/>
+    <p:sldId id="281" r:id="rId28"/>
+    <p:sldId id="282" r:id="rId29"/>
+    <p:sldId id="283" r:id="rId30"/>
+    <p:sldId id="286" r:id="rId31"/>
+    <p:sldId id="287" r:id="rId32"/>
+    <p:sldId id="288" r:id="rId33"/>
   </p:sldIdLst>
   <p:sldSz cx="12192000" cy="6858000"/>
   <p:notesSz cx="6858000" cy="9144000"/>
@@ -125,11 +139,663 @@
     </a:lvl9pPr>
   </p:defaultTextStyle>
   <p:extLst>
+    <p:ext uri="{521415D9-36F7-43E2-AB2F-B90AF26B5E84}">
+      <p14:sectionLst xmlns:p14="http://schemas.microsoft.com/office/powerpoint/2010/main">
+        <p14:section name="general info" id="{DB47E4B8-1E29-4CD0-A9DB-D38FD9EB65ED}">
+          <p14:sldIdLst>
+            <p14:sldId id="256"/>
+            <p14:sldId id="257"/>
+            <p14:sldId id="258"/>
+            <p14:sldId id="259"/>
+            <p14:sldId id="260"/>
+            <p14:sldId id="265"/>
+            <p14:sldId id="272"/>
+            <p14:sldId id="261"/>
+            <p14:sldId id="262"/>
+            <p14:sldId id="263"/>
+            <p14:sldId id="264"/>
+            <p14:sldId id="266"/>
+            <p14:sldId id="267"/>
+            <p14:sldId id="268"/>
+            <p14:sldId id="269"/>
+            <p14:sldId id="270"/>
+            <p14:sldId id="271"/>
+            <p14:sldId id="274"/>
+            <p14:sldId id="275"/>
+            <p14:sldId id="285"/>
+            <p14:sldId id="284"/>
+          </p14:sldIdLst>
+        </p14:section>
+        <p14:section name="by economy modelling" id="{93D8C474-F8A7-4D18-99D3-FB1425030ADC}">
+          <p14:sldIdLst>
+            <p14:sldId id="276"/>
+            <p14:sldId id="273"/>
+            <p14:sldId id="277"/>
+            <p14:sldId id="278"/>
+            <p14:sldId id="280"/>
+            <p14:sldId id="281"/>
+            <p14:sldId id="282"/>
+            <p14:sldId id="283"/>
+            <p14:sldId id="286"/>
+            <p14:sldId id="287"/>
+            <p14:sldId id="288"/>
+          </p14:sldIdLst>
+        </p14:section>
+      </p14:sectionLst>
+    </p:ext>
     <p:ext uri="{EFAFB233-063F-42B5-8137-9DF3F51BA10A}">
       <p15:sldGuideLst xmlns:p15="http://schemas.microsoft.com/office/powerpoint/2012/main"/>
     </p:ext>
   </p:extLst>
 </p:presentation>
+</file>
+
+<file path=ppt/authors.xml><?xml version="1.0" encoding="utf-8"?>
+<p188:authorLst xmlns:a="http://schemas.openxmlformats.org/drawingml/2006/main" xmlns:r="http://schemas.openxmlformats.org/officeDocument/2006/relationships" xmlns:p188="http://schemas.microsoft.com/office/powerpoint/2018/8/main">
+  <p188:author id="{B67F58BA-7025-745F-61A8-64B5E1F1A1D2}" name="Finbar MAUNSELL" initials="FM" userId="S::finbar.maunsell@aperc.or.jp::8826923f-3184-43b7-a36b-2a6b79ce973f" providerId="AD"/>
+</p188:authorLst>
+</file>
+
+<file path=ppt/comments/modernComment_114_B7AFB2C1.xml><?xml version="1.0" encoding="utf-8"?>
+<p188:cmLst xmlns:a="http://schemas.openxmlformats.org/drawingml/2006/main" xmlns:r="http://schemas.openxmlformats.org/officeDocument/2006/relationships" xmlns:p188="http://schemas.microsoft.com/office/powerpoint/2018/8/main">
+  <p188:cm id="{DBD6C21F-49FC-4915-9206-C1F592D0AC2B}" authorId="{B67F58BA-7025-745F-61A8-64B5E1F1A1D2}" created="2024-11-21T07:01:32.990">
+    <ac:deMkLst xmlns:ac="http://schemas.microsoft.com/office/drawing/2013/main/command">
+      <pc:docMk xmlns:pc="http://schemas.microsoft.com/office/powerpoint/2013/main/command"/>
+      <pc:sldMk xmlns:pc="http://schemas.microsoft.com/office/powerpoint/2013/main/command" cId="3081745089" sldId="276"/>
+      <ac:picMk id="6" creationId="{5E85D376-8F32-62DC-72AE-3C9F77CD7767}"/>
+    </ac:deMkLst>
+    <p188:txBody>
+      <a:bodyPr/>
+      <a:lstStyle/>
+      <a:p>
+        <a:r>
+          <a:rPr lang="en-US"/>
+          <a:t>https://iea.blob.core.windows.net/assets/234d0d22-6f5b-4dc4-9f08-2485f0c5ec24/ElectricityMid-YearUpdate_July2024.pdf</a:t>
+        </a:r>
+      </a:p>
+    </p188:txBody>
+  </p188:cm>
+  <p188:cm id="{AEB732C3-55AA-4A3C-8469-A4C030E85322}" authorId="{B67F58BA-7025-745F-61A8-64B5E1F1A1D2}" created="2024-11-21T07:42:55.100">
+    <ac:deMkLst xmlns:ac="http://schemas.microsoft.com/office/drawing/2013/main/command">
+      <pc:docMk xmlns:pc="http://schemas.microsoft.com/office/powerpoint/2013/main/command"/>
+      <pc:sldMk xmlns:pc="http://schemas.microsoft.com/office/powerpoint/2013/main/command" cId="3081745089" sldId="276"/>
+      <ac:picMk id="5" creationId="{99D67208-9983-496F-E2DC-C680E1B48FC5}"/>
+    </ac:deMkLst>
+    <p188:txBody>
+      <a:bodyPr/>
+      <a:lstStyle/>
+      <a:p>
+        <a:r>
+          <a:rPr lang="en-US"/>
+          <a:t>In this one their twh demand doesn’t match the 47 gw of new cap that they expect (its double it running at 24/7/365) so not sure If we should rely on it!</a:t>
+        </a:r>
+      </a:p>
+    </p188:txBody>
+  </p188:cm>
+</p188:cmLst>
+</file>
+
+<file path=ppt/comments/modernComment_119_3859C49F.xml><?xml version="1.0" encoding="utf-8"?>
+<p188:cmLst xmlns:a="http://schemas.openxmlformats.org/drawingml/2006/main" xmlns:r="http://schemas.openxmlformats.org/officeDocument/2006/relationships" xmlns:p188="http://schemas.microsoft.com/office/powerpoint/2018/8/main">
+  <p188:cm id="{DB90C25D-DA28-4B40-8761-15CD01D25FA1}" authorId="{B67F58BA-7025-745F-61A8-64B5E1F1A1D2}" created="2024-11-22T02:05:53.528">
+    <ac:txMkLst xmlns:ac="http://schemas.microsoft.com/office/drawing/2013/main/command">
+      <pc:docMk xmlns:pc="http://schemas.microsoft.com/office/powerpoint/2013/main/command"/>
+      <pc:sldMk xmlns:pc="http://schemas.microsoft.com/office/powerpoint/2013/main/command" cId="945407135" sldId="281"/>
+      <ac:spMk id="3" creationId="{245DF893-F961-56FC-5C61-3B88A81B346A}"/>
+      <ac:txMk cp="74" len="25">
+        <ac:context len="719" hash="228892335"/>
+      </ac:txMk>
+    </ac:txMkLst>
+    <p188:pos x="9239054" y="502796"/>
+    <p188:txBody>
+      <a:bodyPr/>
+      <a:lstStyle/>
+      <a:p>
+        <a:r>
+          <a:rPr lang="en-US"/>
+          <a:t>Our first estimate was about 300mw. It does seem like 1gw at 100% uptime is quite a lot of data centre use (also 1gw higher than that FT article’s graph) so will drop it to 600mw</a:t>
+        </a:r>
+      </a:p>
+    </p188:txBody>
+  </p188:cm>
+  <p188:cm id="{C14F9315-060B-4039-9C85-9647F213BA72}" authorId="{B67F58BA-7025-745F-61A8-64B5E1F1A1D2}" created="2024-11-22T02:06:55.145">
+    <ac:txMkLst xmlns:ac="http://schemas.microsoft.com/office/drawing/2013/main/command">
+      <pc:docMk xmlns:pc="http://schemas.microsoft.com/office/powerpoint/2013/main/command"/>
+      <pc:sldMk xmlns:pc="http://schemas.microsoft.com/office/powerpoint/2013/main/command" cId="945407135" sldId="281"/>
+      <ac:spMk id="3" creationId="{245DF893-F961-56FC-5C61-3B88A81B346A}"/>
+      <ac:txMk cp="369" len="84">
+        <ac:context len="719" hash="228892335"/>
+      </ac:txMk>
+    </ac:txMkLst>
+    <p188:pos x="5468332" y="2133633"/>
+    <p188:replyLst>
+      <p188:reply id="{C56C7B12-ADCF-41C5-A437-B0EA4B57BC90}" authorId="{B67F58BA-7025-745F-61A8-64B5E1F1A1D2}" created="2024-11-22T02:07:04.129">
+        <p188:txBody>
+          <a:bodyPr/>
+          <a:lstStyle/>
+          <a:p>
+            <a:r>
+              <a:rPr lang="en-US"/>
+              <a:t>i.e. 8gw</a:t>
+            </a:r>
+          </a:p>
+        </p188:txBody>
+      </p188:reply>
+    </p188:replyLst>
+    <p188:txBody>
+      <a:bodyPr/>
+      <a:lstStyle/>
+      <a:p>
+        <a:r>
+          <a:rPr lang="en-US"/>
+          <a:t>Will go with halfway between these for now</a:t>
+        </a:r>
+      </a:p>
+    </p188:txBody>
+  </p188:cm>
+</p188:cmLst>
+</file>
+
+<file path=ppt/ink/ink1.xml><?xml version="1.0" encoding="utf-8"?>
+<inkml:ink xmlns:inkml="http://www.w3.org/2003/InkML">
+  <inkml:definitions>
+    <inkml:context xml:id="ctx0">
+      <inkml:inkSource xml:id="inkSrc0">
+        <inkml:traceFormat>
+          <inkml:channel name="X" type="integer" min="-2.14748E9" max="2.14748E9" units="cm"/>
+          <inkml:channel name="Y" type="integer" min="-2.14748E9" max="2.14748E9" units="cm"/>
+        </inkml:traceFormat>
+        <inkml:channelProperties>
+          <inkml:channelProperty channel="X" name="resolution" value="1000" units="1/cm"/>
+          <inkml:channelProperty channel="Y" name="resolution" value="1000" units="1/cm"/>
+        </inkml:channelProperties>
+      </inkml:inkSource>
+      <inkml:timestamp xml:id="ts0" timeString="2024-11-27T02:48:30.181"/>
+    </inkml:context>
+    <inkml:brush xml:id="br0">
+      <inkml:brushProperty name="width" value="0.3" units="cm"/>
+      <inkml:brushProperty name="height" value="0.6" units="cm"/>
+      <inkml:brushProperty name="color" value="#00F900"/>
+      <inkml:brushProperty name="tip" value="rectangle"/>
+      <inkml:brushProperty name="rasterOp" value="maskPen"/>
+      <inkml:brushProperty name="ignorePressure" value="1"/>
+    </inkml:brush>
+  </inkml:definitions>
+  <inkml:trace contextRef="#ctx0" brushRef="#br0">4859 281,'-59'-3,"1"-2,-68-16,-7-1,67 11,38 5,-53-2,-68-5,-16 0,-1080 14,1220-3,0 0,-30-7,-42-4,24 13,36 0,0-1,0-1,-46-10,57 8,-1 0,-30 1,36 3,0-1,1-1,-1-1,-39-11,31 5,-1 2,-1 1,1 1,-47-1,-2-5,-16-1,59 10,-55-12,41 5,13 3,-10-2,-1 2,-49 0,-833 7,907 1,0 0,0 2,0 0,-24 9,-47 8,87-20,0 1,0 0,0 0,0 0,0 1,0 0,0 0,-6 5,-4 3</inkml:trace>
+</inkml:ink>
+</file>
+
+<file path=ppt/ink/ink2.xml><?xml version="1.0" encoding="utf-8"?>
+<inkml:ink xmlns:inkml="http://www.w3.org/2003/InkML">
+  <inkml:definitions>
+    <inkml:context xml:id="ctx0">
+      <inkml:inkSource xml:id="inkSrc0">
+        <inkml:traceFormat>
+          <inkml:channel name="X" type="integer" min="-2.14748E9" max="2.14748E9" units="cm"/>
+          <inkml:channel name="Y" type="integer" min="-2.14748E9" max="2.14748E9" units="cm"/>
+        </inkml:traceFormat>
+        <inkml:channelProperties>
+          <inkml:channelProperty channel="X" name="resolution" value="1000" units="1/cm"/>
+          <inkml:channelProperty channel="Y" name="resolution" value="1000" units="1/cm"/>
+        </inkml:channelProperties>
+      </inkml:inkSource>
+      <inkml:timestamp xml:id="ts0" timeString="2024-11-27T02:48:34.607"/>
+    </inkml:context>
+    <inkml:brush xml:id="br0">
+      <inkml:brushProperty name="width" value="0.3" units="cm"/>
+      <inkml:brushProperty name="height" value="0.6" units="cm"/>
+      <inkml:brushProperty name="color" value="#00F900"/>
+      <inkml:brushProperty name="tip" value="rectangle"/>
+      <inkml:brushProperty name="rasterOp" value="maskPen"/>
+      <inkml:brushProperty name="ignorePressure" value="1"/>
+    </inkml:brush>
+  </inkml:definitions>
+  <inkml:trace contextRef="#ctx0" brushRef="#br0">4476 635,'18'-2,"0"-1,0-1,0 0,-1-1,1-1,22-12,7-1,237-90,-191 67,-60 26,1 1,61-19,24-2,21-6,-122 37,0-1,0-1,-1-1,0 0,22-15,7-4,140-59,-83 31,-77 41,-15 8,0 0,1 0,-1 1,1 1,0 0,1 1,19-4,-297 8,186 12,55-9,-45 4,35-7,0 1,-52 11,-198 56,217-52,16-4,1 1,-96 41,71-22,-3-5,-136 33,175-51,5-3,-64 5,0 0,29-4,0-3,-125-6,64-2,89 2,18 0,0 1,-1 1,1 0,0 2,0 1,-31 9,26-5,1-1,-2-2,1 0,-1-2,1-1,-39-3,-41 4,-95 22,131-14,37-6,-61 4,-627-10,683-1,-53-9,52 5,-48-1,78 6,1-1,0 1,0-2,1 1,-1-1,0-1,-9-5,8 4,0 1,-1 0,1 0,-24-3,-280 3,164 7,-455-3,586 1,1 1,-35 8,-26 2,53-9,0 1,-49 15,50-12,0-1,0-1,-28 2,39-6,0 0,0 1,1 0,-1 1,1 1,-28 11,42-15,0 0,-1 0,1 0,0 0,-1 0,1 0,0 0,0 0,-1 0,1 1,0-1,-1 0,1 0,0 0,0 0,-1 1,1-1,0 0,0 0,0 1,-1-1,1 0,0 0,0 1,0-1,0 0,0 0,-1 1,1-1,0 0,0 1,0-1,0 0,0 1,0-1,0 0,0 1,0-1,0 0,0 1,0-1,0 0,0 0,1 1,-1 0,18 6,34-1,-48-6,84 10,98 5,417-16,-562 3,52 9,-52-5,49 1,-81-7,-1 0,0 0,1 0,-1 1,0 1,0-1,0 1,0 1,0-1,12 7,-6-3,0-1,0 0,1-1,0 0,0-1,0-1,0 0,27-1,-17 0,49 7,-5 2,0-3,0-3,98-7,-33 0,21 16,4 0,365-14,-500 2,1 2,30 6,-28-3,44 2,17-8,-33 0,1 2,58 10,-70-6,59 0,-61-6,77 13,-61-5,1-3,0-2,70-6,-12 0,-85 2,0-1,51-10,-64 8,185-29,-172 28,1-2,-1-2,0 0,-1-2,0-2,-1-1,-1-1,42-28,6 7,-63 31,0-1,-1 0,1-1,-1 0,-1-1,15-12,-11 5,0 1,2 0,-1 1,1 1,1 1,0 1,1 0,0 1,1 2,-1 0,24-5,-3 3,0-2,0-2,-1-2,-1-1,0-2,-2-2,38-25,-62 37,0 1,1 1,0 0,0 1,0 0,1 1,0 1,21-3,14 2,59 1,-61 1,51-8,-50 4,49-1,-72 6,1-1,26-7,45-3,-54 11,0-2,46-8,-51 5,55-1,-53 5,53-9,-34 3,0 3,1 3,64 5,-8 0,573-3,-653 1,54 10,-52-5,50 2,21-6,184-6,-276 1,0 0,-1-1,1-1,-1-1,0 0,-1-1,22-13,-35 18,40-13,-23 10</inkml:trace>
+</inkml:ink>
+</file>
+
+<file path=ppt/notesMasters/notesMaster1.xml><?xml version="1.0" encoding="utf-8"?>
+<p:notesMaster xmlns:a="http://schemas.openxmlformats.org/drawingml/2006/main" xmlns:r="http://schemas.openxmlformats.org/officeDocument/2006/relationships" xmlns:p="http://schemas.openxmlformats.org/presentationml/2006/main">
+  <p:cSld>
+    <p:bg>
+      <p:bgRef idx="1001">
+        <a:schemeClr val="bg1"/>
+      </p:bgRef>
+    </p:bg>
+    <p:spTree>
+      <p:nvGrpSpPr>
+        <p:cNvPr id="1" name=""/>
+        <p:cNvGrpSpPr/>
+        <p:nvPr/>
+      </p:nvGrpSpPr>
+      <p:grpSpPr>
+        <a:xfrm>
+          <a:off x="0" y="0"/>
+          <a:ext cx="0" cy="0"/>
+          <a:chOff x="0" y="0"/>
+          <a:chExt cx="0" cy="0"/>
+        </a:xfrm>
+      </p:grpSpPr>
+      <p:sp>
+        <p:nvSpPr>
+          <p:cNvPr id="2" name="Header Placeholder 1"/>
+          <p:cNvSpPr>
+            <a:spLocks noGrp="1"/>
+          </p:cNvSpPr>
+          <p:nvPr>
+            <p:ph type="hdr" sz="quarter"/>
+          </p:nvPr>
+        </p:nvSpPr>
+        <p:spPr>
+          <a:xfrm>
+            <a:off x="0" y="0"/>
+            <a:ext cx="2971800" cy="458788"/>
+          </a:xfrm>
+          <a:prstGeom prst="rect">
+            <a:avLst/>
+          </a:prstGeom>
+        </p:spPr>
+        <p:txBody>
+          <a:bodyPr vert="horz" lIns="91440" tIns="45720" rIns="91440" bIns="45720" rtlCol="0"/>
+          <a:lstStyle>
+            <a:lvl1pPr algn="l">
+              <a:defRPr sz="1200"/>
+            </a:lvl1pPr>
+          </a:lstStyle>
+          <a:p>
+            <a:endParaRPr lang="en-US"/>
+          </a:p>
+        </p:txBody>
+      </p:sp>
+      <p:sp>
+        <p:nvSpPr>
+          <p:cNvPr id="3" name="Date Placeholder 2"/>
+          <p:cNvSpPr>
+            <a:spLocks noGrp="1"/>
+          </p:cNvSpPr>
+          <p:nvPr>
+            <p:ph type="dt" idx="1"/>
+          </p:nvPr>
+        </p:nvSpPr>
+        <p:spPr>
+          <a:xfrm>
+            <a:off x="3884613" y="0"/>
+            <a:ext cx="2971800" cy="458788"/>
+          </a:xfrm>
+          <a:prstGeom prst="rect">
+            <a:avLst/>
+          </a:prstGeom>
+        </p:spPr>
+        <p:txBody>
+          <a:bodyPr vert="horz" lIns="91440" tIns="45720" rIns="91440" bIns="45720" rtlCol="0"/>
+          <a:lstStyle>
+            <a:lvl1pPr algn="r">
+              <a:defRPr sz="1200"/>
+            </a:lvl1pPr>
+          </a:lstStyle>
+          <a:p>
+            <a:fld id="{3264BA74-2956-4EEE-B5CC-A737A53B1039}" type="datetimeFigureOut">
+              <a:rPr lang="en-US" smtClean="0"/>
+              <a:t>11/27/2024</a:t>
+            </a:fld>
+            <a:endParaRPr lang="en-US"/>
+          </a:p>
+        </p:txBody>
+      </p:sp>
+      <p:sp>
+        <p:nvSpPr>
+          <p:cNvPr id="4" name="Slide Image Placeholder 3"/>
+          <p:cNvSpPr>
+            <a:spLocks noGrp="1" noRot="1" noChangeAspect="1"/>
+          </p:cNvSpPr>
+          <p:nvPr>
+            <p:ph type="sldImg" idx="2"/>
+          </p:nvPr>
+        </p:nvSpPr>
+        <p:spPr>
+          <a:xfrm>
+            <a:off x="685800" y="1143000"/>
+            <a:ext cx="5486400" cy="3086100"/>
+          </a:xfrm>
+          <a:prstGeom prst="rect">
+            <a:avLst/>
+          </a:prstGeom>
+          <a:noFill/>
+          <a:ln w="12700">
+            <a:solidFill>
+              <a:prstClr val="black"/>
+            </a:solidFill>
+          </a:ln>
+        </p:spPr>
+        <p:txBody>
+          <a:bodyPr vert="horz" lIns="91440" tIns="45720" rIns="91440" bIns="45720" rtlCol="0" anchor="ctr"/>
+          <a:lstStyle/>
+          <a:p>
+            <a:endParaRPr lang="en-US"/>
+          </a:p>
+        </p:txBody>
+      </p:sp>
+      <p:sp>
+        <p:nvSpPr>
+          <p:cNvPr id="5" name="Notes Placeholder 4"/>
+          <p:cNvSpPr>
+            <a:spLocks noGrp="1"/>
+          </p:cNvSpPr>
+          <p:nvPr>
+            <p:ph type="body" sz="quarter" idx="3"/>
+          </p:nvPr>
+        </p:nvSpPr>
+        <p:spPr>
+          <a:xfrm>
+            <a:off x="685800" y="4400550"/>
+            <a:ext cx="5486400" cy="3600450"/>
+          </a:xfrm>
+          <a:prstGeom prst="rect">
+            <a:avLst/>
+          </a:prstGeom>
+        </p:spPr>
+        <p:txBody>
+          <a:bodyPr vert="horz" lIns="91440" tIns="45720" rIns="91440" bIns="45720" rtlCol="0"/>
+          <a:lstStyle/>
+          <a:p>
+            <a:pPr lvl="0"/>
+            <a:r>
+              <a:rPr lang="en-US"/>
+              <a:t>Click to edit Master text styles</a:t>
+            </a:r>
+          </a:p>
+          <a:p>
+            <a:pPr lvl="1"/>
+            <a:r>
+              <a:rPr lang="en-US"/>
+              <a:t>Second level</a:t>
+            </a:r>
+          </a:p>
+          <a:p>
+            <a:pPr lvl="2"/>
+            <a:r>
+              <a:rPr lang="en-US"/>
+              <a:t>Third level</a:t>
+            </a:r>
+          </a:p>
+          <a:p>
+            <a:pPr lvl="3"/>
+            <a:r>
+              <a:rPr lang="en-US"/>
+              <a:t>Fourth level</a:t>
+            </a:r>
+          </a:p>
+          <a:p>
+            <a:pPr lvl="4"/>
+            <a:r>
+              <a:rPr lang="en-US"/>
+              <a:t>Fifth level</a:t>
+            </a:r>
+          </a:p>
+        </p:txBody>
+      </p:sp>
+      <p:sp>
+        <p:nvSpPr>
+          <p:cNvPr id="6" name="Footer Placeholder 5"/>
+          <p:cNvSpPr>
+            <a:spLocks noGrp="1"/>
+          </p:cNvSpPr>
+          <p:nvPr>
+            <p:ph type="ftr" sz="quarter" idx="4"/>
+          </p:nvPr>
+        </p:nvSpPr>
+        <p:spPr>
+          <a:xfrm>
+            <a:off x="0" y="8685213"/>
+            <a:ext cx="2971800" cy="458787"/>
+          </a:xfrm>
+          <a:prstGeom prst="rect">
+            <a:avLst/>
+          </a:prstGeom>
+        </p:spPr>
+        <p:txBody>
+          <a:bodyPr vert="horz" lIns="91440" tIns="45720" rIns="91440" bIns="45720" rtlCol="0" anchor="b"/>
+          <a:lstStyle>
+            <a:lvl1pPr algn="l">
+              <a:defRPr sz="1200"/>
+            </a:lvl1pPr>
+          </a:lstStyle>
+          <a:p>
+            <a:endParaRPr lang="en-US"/>
+          </a:p>
+        </p:txBody>
+      </p:sp>
+      <p:sp>
+        <p:nvSpPr>
+          <p:cNvPr id="7" name="Slide Number Placeholder 6"/>
+          <p:cNvSpPr>
+            <a:spLocks noGrp="1"/>
+          </p:cNvSpPr>
+          <p:nvPr>
+            <p:ph type="sldNum" sz="quarter" idx="5"/>
+          </p:nvPr>
+        </p:nvSpPr>
+        <p:spPr>
+          <a:xfrm>
+            <a:off x="3884613" y="8685213"/>
+            <a:ext cx="2971800" cy="458787"/>
+          </a:xfrm>
+          <a:prstGeom prst="rect">
+            <a:avLst/>
+          </a:prstGeom>
+        </p:spPr>
+        <p:txBody>
+          <a:bodyPr vert="horz" lIns="91440" tIns="45720" rIns="91440" bIns="45720" rtlCol="0" anchor="b"/>
+          <a:lstStyle>
+            <a:lvl1pPr algn="r">
+              <a:defRPr sz="1200"/>
+            </a:lvl1pPr>
+          </a:lstStyle>
+          <a:p>
+            <a:fld id="{C115C22B-2964-4436-B9D4-641997753999}" type="slidenum">
+              <a:rPr lang="en-US" smtClean="0"/>
+              <a:t>‹#›</a:t>
+            </a:fld>
+            <a:endParaRPr lang="en-US"/>
+          </a:p>
+        </p:txBody>
+      </p:sp>
+    </p:spTree>
+    <p:extLst>
+      <p:ext uri="{BB962C8B-B14F-4D97-AF65-F5344CB8AC3E}">
+        <p14:creationId xmlns:p14="http://schemas.microsoft.com/office/powerpoint/2010/main" val="3841438288"/>
+      </p:ext>
+    </p:extLst>
+  </p:cSld>
+  <p:clrMap bg1="lt1" tx1="dk1" bg2="lt2" tx2="dk2" accent1="accent1" accent2="accent2" accent3="accent3" accent4="accent4" accent5="accent5" accent6="accent6" hlink="hlink" folHlink="folHlink"/>
+  <p:notesStyle>
+    <a:lvl1pPr marL="0" algn="l" defTabSz="914400" rtl="0" eaLnBrk="1" latinLnBrk="0" hangingPunct="1">
+      <a:defRPr sz="1200" kern="1200">
+        <a:solidFill>
+          <a:schemeClr val="tx1"/>
+        </a:solidFill>
+        <a:latin typeface="+mn-lt"/>
+        <a:ea typeface="+mn-ea"/>
+        <a:cs typeface="+mn-cs"/>
+      </a:defRPr>
+    </a:lvl1pPr>
+    <a:lvl2pPr marL="457200" algn="l" defTabSz="914400" rtl="0" eaLnBrk="1" latinLnBrk="0" hangingPunct="1">
+      <a:defRPr sz="1200" kern="1200">
+        <a:solidFill>
+          <a:schemeClr val="tx1"/>
+        </a:solidFill>
+        <a:latin typeface="+mn-lt"/>
+        <a:ea typeface="+mn-ea"/>
+        <a:cs typeface="+mn-cs"/>
+      </a:defRPr>
+    </a:lvl2pPr>
+    <a:lvl3pPr marL="914400" algn="l" defTabSz="914400" rtl="0" eaLnBrk="1" latinLnBrk="0" hangingPunct="1">
+      <a:defRPr sz="1200" kern="1200">
+        <a:solidFill>
+          <a:schemeClr val="tx1"/>
+        </a:solidFill>
+        <a:latin typeface="+mn-lt"/>
+        <a:ea typeface="+mn-ea"/>
+        <a:cs typeface="+mn-cs"/>
+      </a:defRPr>
+    </a:lvl3pPr>
+    <a:lvl4pPr marL="1371600" algn="l" defTabSz="914400" rtl="0" eaLnBrk="1" latinLnBrk="0" hangingPunct="1">
+      <a:defRPr sz="1200" kern="1200">
+        <a:solidFill>
+          <a:schemeClr val="tx1"/>
+        </a:solidFill>
+        <a:latin typeface="+mn-lt"/>
+        <a:ea typeface="+mn-ea"/>
+        <a:cs typeface="+mn-cs"/>
+      </a:defRPr>
+    </a:lvl4pPr>
+    <a:lvl5pPr marL="1828800" algn="l" defTabSz="914400" rtl="0" eaLnBrk="1" latinLnBrk="0" hangingPunct="1">
+      <a:defRPr sz="1200" kern="1200">
+        <a:solidFill>
+          <a:schemeClr val="tx1"/>
+        </a:solidFill>
+        <a:latin typeface="+mn-lt"/>
+        <a:ea typeface="+mn-ea"/>
+        <a:cs typeface="+mn-cs"/>
+      </a:defRPr>
+    </a:lvl5pPr>
+    <a:lvl6pPr marL="2286000" algn="l" defTabSz="914400" rtl="0" eaLnBrk="1" latinLnBrk="0" hangingPunct="1">
+      <a:defRPr sz="1200" kern="1200">
+        <a:solidFill>
+          <a:schemeClr val="tx1"/>
+        </a:solidFill>
+        <a:latin typeface="+mn-lt"/>
+        <a:ea typeface="+mn-ea"/>
+        <a:cs typeface="+mn-cs"/>
+      </a:defRPr>
+    </a:lvl6pPr>
+    <a:lvl7pPr marL="2743200" algn="l" defTabSz="914400" rtl="0" eaLnBrk="1" latinLnBrk="0" hangingPunct="1">
+      <a:defRPr sz="1200" kern="1200">
+        <a:solidFill>
+          <a:schemeClr val="tx1"/>
+        </a:solidFill>
+        <a:latin typeface="+mn-lt"/>
+        <a:ea typeface="+mn-ea"/>
+        <a:cs typeface="+mn-cs"/>
+      </a:defRPr>
+    </a:lvl7pPr>
+    <a:lvl8pPr marL="3200400" algn="l" defTabSz="914400" rtl="0" eaLnBrk="1" latinLnBrk="0" hangingPunct="1">
+      <a:defRPr sz="1200" kern="1200">
+        <a:solidFill>
+          <a:schemeClr val="tx1"/>
+        </a:solidFill>
+        <a:latin typeface="+mn-lt"/>
+        <a:ea typeface="+mn-ea"/>
+        <a:cs typeface="+mn-cs"/>
+      </a:defRPr>
+    </a:lvl8pPr>
+    <a:lvl9pPr marL="3657600" algn="l" defTabSz="914400" rtl="0" eaLnBrk="1" latinLnBrk="0" hangingPunct="1">
+      <a:defRPr sz="1200" kern="1200">
+        <a:solidFill>
+          <a:schemeClr val="tx1"/>
+        </a:solidFill>
+        <a:latin typeface="+mn-lt"/>
+        <a:ea typeface="+mn-ea"/>
+        <a:cs typeface="+mn-cs"/>
+      </a:defRPr>
+    </a:lvl9pPr>
+  </p:notesStyle>
+</p:notesMaster>
+</file>
+
+<file path=ppt/notesSlides/notesSlide1.xml><?xml version="1.0" encoding="utf-8"?>
+<p:notes xmlns:a="http://schemas.openxmlformats.org/drawingml/2006/main" xmlns:r="http://schemas.openxmlformats.org/officeDocument/2006/relationships" xmlns:p="http://schemas.openxmlformats.org/presentationml/2006/main">
+  <p:cSld>
+    <p:spTree>
+      <p:nvGrpSpPr>
+        <p:cNvPr id="1" name=""/>
+        <p:cNvGrpSpPr/>
+        <p:nvPr/>
+      </p:nvGrpSpPr>
+      <p:grpSpPr>
+        <a:xfrm>
+          <a:off x="0" y="0"/>
+          <a:ext cx="0" cy="0"/>
+          <a:chOff x="0" y="0"/>
+          <a:chExt cx="0" cy="0"/>
+        </a:xfrm>
+      </p:grpSpPr>
+      <p:sp>
+        <p:nvSpPr>
+          <p:cNvPr id="2" name="Slide Image Placeholder 1"/>
+          <p:cNvSpPr>
+            <a:spLocks noGrp="1" noRot="1" noChangeAspect="1"/>
+          </p:cNvSpPr>
+          <p:nvPr>
+            <p:ph type="sldImg"/>
+          </p:nvPr>
+        </p:nvSpPr>
+        <p:spPr/>
+      </p:sp>
+      <p:sp>
+        <p:nvSpPr>
+          <p:cNvPr id="3" name="Notes Placeholder 2"/>
+          <p:cNvSpPr>
+            <a:spLocks noGrp="1"/>
+          </p:cNvSpPr>
+          <p:nvPr>
+            <p:ph type="body" idx="1"/>
+          </p:nvPr>
+        </p:nvSpPr>
+        <p:spPr/>
+        <p:txBody>
+          <a:bodyPr/>
+          <a:lstStyle/>
+          <a:p>
+            <a:r>
+              <a:rPr lang="en-US" dirty="0"/>
+              <a:t>https://www.energycouncil.com.au/analysis/data-centres-and-energy-demand-what-s-needed/ - what </a:t>
+            </a:r>
+            <a:r>
+              <a:rPr lang="en-US" dirty="0" err="1"/>
+              <a:t>finn</a:t>
+            </a:r>
+            <a:r>
+              <a:rPr lang="en-US" dirty="0"/>
+              <a:t> found</a:t>
+            </a:r>
+          </a:p>
+        </p:txBody>
+      </p:sp>
+      <p:sp>
+        <p:nvSpPr>
+          <p:cNvPr id="4" name="Slide Number Placeholder 3"/>
+          <p:cNvSpPr>
+            <a:spLocks noGrp="1"/>
+          </p:cNvSpPr>
+          <p:nvPr>
+            <p:ph type="sldNum" sz="quarter" idx="5"/>
+          </p:nvPr>
+        </p:nvSpPr>
+        <p:spPr/>
+        <p:txBody>
+          <a:bodyPr/>
+          <a:lstStyle/>
+          <a:p>
+            <a:fld id="{C115C22B-2964-4436-B9D4-641997753999}" type="slidenum">
+              <a:rPr lang="en-US" smtClean="0"/>
+              <a:t>26</a:t>
+            </a:fld>
+            <a:endParaRPr lang="en-US"/>
+          </a:p>
+        </p:txBody>
+      </p:sp>
+    </p:spTree>
+    <p:extLst>
+      <p:ext uri="{BB962C8B-B14F-4D97-AF65-F5344CB8AC3E}">
+        <p14:creationId xmlns:p14="http://schemas.microsoft.com/office/powerpoint/2010/main" val="775413992"/>
+      </p:ext>
+    </p:extLst>
+  </p:cSld>
+  <p:clrMapOvr>
+    <a:masterClrMapping/>
+  </p:clrMapOvr>
+</p:notes>
 </file>
 
 <file path=ppt/slideLayouts/slideLayout1.xml><?xml version="1.0" encoding="utf-8"?>
@@ -279,7 +945,7 @@
           <a:p>
             <a:fld id="{BB61594E-0383-42A7-8AE6-F7EB3EDFC0B3}" type="datetimeFigureOut">
               <a:rPr lang="en-US" smtClean="0"/>
-              <a:t>11/12/2024</a:t>
+              <a:t>11/27/2024</a:t>
             </a:fld>
             <a:endParaRPr lang="en-US"/>
           </a:p>
@@ -477,7 +1143,7 @@
           <a:p>
             <a:fld id="{BB61594E-0383-42A7-8AE6-F7EB3EDFC0B3}" type="datetimeFigureOut">
               <a:rPr lang="en-US" smtClean="0"/>
-              <a:t>11/12/2024</a:t>
+              <a:t>11/27/2024</a:t>
             </a:fld>
             <a:endParaRPr lang="en-US"/>
           </a:p>
@@ -685,7 +1351,7 @@
           <a:p>
             <a:fld id="{BB61594E-0383-42A7-8AE6-F7EB3EDFC0B3}" type="datetimeFigureOut">
               <a:rPr lang="en-US" smtClean="0"/>
-              <a:t>11/12/2024</a:t>
+              <a:t>11/27/2024</a:t>
             </a:fld>
             <a:endParaRPr lang="en-US"/>
           </a:p>
@@ -883,7 +1549,7 @@
           <a:p>
             <a:fld id="{BB61594E-0383-42A7-8AE6-F7EB3EDFC0B3}" type="datetimeFigureOut">
               <a:rPr lang="en-US" smtClean="0"/>
-              <a:t>11/12/2024</a:t>
+              <a:t>11/27/2024</a:t>
             </a:fld>
             <a:endParaRPr lang="en-US"/>
           </a:p>
@@ -1158,7 +1824,7 @@
           <a:p>
             <a:fld id="{BB61594E-0383-42A7-8AE6-F7EB3EDFC0B3}" type="datetimeFigureOut">
               <a:rPr lang="en-US" smtClean="0"/>
-              <a:t>11/12/2024</a:t>
+              <a:t>11/27/2024</a:t>
             </a:fld>
             <a:endParaRPr lang="en-US"/>
           </a:p>
@@ -1423,7 +2089,7 @@
           <a:p>
             <a:fld id="{BB61594E-0383-42A7-8AE6-F7EB3EDFC0B3}" type="datetimeFigureOut">
               <a:rPr lang="en-US" smtClean="0"/>
-              <a:t>11/12/2024</a:t>
+              <a:t>11/27/2024</a:t>
             </a:fld>
             <a:endParaRPr lang="en-US"/>
           </a:p>
@@ -1835,7 +2501,7 @@
           <a:p>
             <a:fld id="{BB61594E-0383-42A7-8AE6-F7EB3EDFC0B3}" type="datetimeFigureOut">
               <a:rPr lang="en-US" smtClean="0"/>
-              <a:t>11/12/2024</a:t>
+              <a:t>11/27/2024</a:t>
             </a:fld>
             <a:endParaRPr lang="en-US"/>
           </a:p>
@@ -1976,7 +2642,7 @@
           <a:p>
             <a:fld id="{BB61594E-0383-42A7-8AE6-F7EB3EDFC0B3}" type="datetimeFigureOut">
               <a:rPr lang="en-US" smtClean="0"/>
-              <a:t>11/12/2024</a:t>
+              <a:t>11/27/2024</a:t>
             </a:fld>
             <a:endParaRPr lang="en-US"/>
           </a:p>
@@ -2089,7 +2755,7 @@
           <a:p>
             <a:fld id="{BB61594E-0383-42A7-8AE6-F7EB3EDFC0B3}" type="datetimeFigureOut">
               <a:rPr lang="en-US" smtClean="0"/>
-              <a:t>11/12/2024</a:t>
+              <a:t>11/27/2024</a:t>
             </a:fld>
             <a:endParaRPr lang="en-US"/>
           </a:p>
@@ -2400,7 +3066,7 @@
           <a:p>
             <a:fld id="{BB61594E-0383-42A7-8AE6-F7EB3EDFC0B3}" type="datetimeFigureOut">
               <a:rPr lang="en-US" smtClean="0"/>
-              <a:t>11/12/2024</a:t>
+              <a:t>11/27/2024</a:t>
             </a:fld>
             <a:endParaRPr lang="en-US"/>
           </a:p>
@@ -2688,7 +3354,7 @@
           <a:p>
             <a:fld id="{BB61594E-0383-42A7-8AE6-F7EB3EDFC0B3}" type="datetimeFigureOut">
               <a:rPr lang="en-US" smtClean="0"/>
-              <a:t>11/12/2024</a:t>
+              <a:t>11/27/2024</a:t>
             </a:fld>
             <a:endParaRPr lang="en-US"/>
           </a:p>
@@ -2929,7 +3595,7 @@
           <a:p>
             <a:fld id="{BB61594E-0383-42A7-8AE6-F7EB3EDFC0B3}" type="datetimeFigureOut">
               <a:rPr lang="en-US" smtClean="0"/>
-              <a:t>11/12/2024</a:t>
+              <a:t>11/27/2024</a:t>
             </a:fld>
             <a:endParaRPr lang="en-US"/>
           </a:p>
@@ -4116,7 +4782,7 @@
           <a:bodyPr/>
           <a:lstStyle/>
           <a:p>
-            <a:endParaRPr lang="en-US"/>
+            <a:endParaRPr lang="en-US" dirty="0"/>
           </a:p>
         </p:txBody>
       </p:sp>
@@ -4136,12 +4802,206 @@
             <p:ph idx="1"/>
           </p:nvPr>
         </p:nvSpPr>
-        <p:spPr/>
-        <p:txBody>
-          <a:bodyPr/>
-          <a:lstStyle/>
-          <a:p>
-            <a:endParaRPr lang="en-US"/>
+        <p:spPr>
+          <a:xfrm>
+            <a:off x="1115568" y="5348286"/>
+            <a:ext cx="8811768" cy="4856418"/>
+          </a:xfrm>
+        </p:spPr>
+        <p:txBody>
+          <a:bodyPr>
+            <a:normAutofit fontScale="47500" lnSpcReduction="20000"/>
+          </a:bodyPr>
+          <a:lstStyle/>
+          <a:p>
+            <a:r>
+              <a:rPr lang="en-US" b="1" dirty="0"/>
+              <a:t>Data Center Intensity Improvement Overview</a:t>
+            </a:r>
+            <a:endParaRPr lang="en-US" dirty="0"/>
+          </a:p>
+          <a:p>
+            <a:r>
+              <a:rPr lang="en-US" dirty="0"/>
+              <a:t>Recent data from the Uptime Institute highlights an average annual improvement rate of 1–2% in data center energy efficiency, as measured by the Power Usage Effectiveness (PUE) metric. In 2022, the average PUE was reported at 1.55, reflecting a modest decrease in energy intensity across the industry. However, progress in efficiency has slowed in recent years.</a:t>
+            </a:r>
+          </a:p>
+          <a:p>
+            <a:r>
+              <a:rPr lang="en-US" b="1" dirty="0"/>
+              <a:t>Key Points:</a:t>
+            </a:r>
+          </a:p>
+          <a:p>
+            <a:pPr>
+              <a:buFont typeface="+mj-lt"/>
+              <a:buAutoNum type="arabicPeriod"/>
+            </a:pPr>
+            <a:r>
+              <a:rPr lang="en-US" b="1" dirty="0"/>
+              <a:t>PUE as a Metric</a:t>
+            </a:r>
+            <a:r>
+              <a:rPr lang="en-US" dirty="0"/>
+              <a:t>:</a:t>
+            </a:r>
+          </a:p>
+          <a:p>
+            <a:pPr marL="742950" lvl="1" indent="-285750">
+              <a:buFont typeface="+mj-lt"/>
+              <a:buAutoNum type="arabicPeriod"/>
+            </a:pPr>
+            <a:r>
+              <a:rPr lang="en-US" dirty="0"/>
+              <a:t>Power Usage Effectiveness (PUE) is the primary measure of data center efficiency.</a:t>
+            </a:r>
+          </a:p>
+          <a:p>
+            <a:pPr marL="742950" lvl="1" indent="-285750">
+              <a:buFont typeface="+mj-lt"/>
+              <a:buAutoNum type="arabicPeriod"/>
+            </a:pPr>
+            <a:r>
+              <a:rPr lang="en-US" dirty="0"/>
+              <a:t>It is calculated by dividing the total power consumed by a data center by the power used specifically by IT equipment.</a:t>
+            </a:r>
+          </a:p>
+          <a:p>
+            <a:pPr>
+              <a:buFont typeface="+mj-lt"/>
+              <a:buAutoNum type="arabicPeriod"/>
+            </a:pPr>
+            <a:r>
+              <a:rPr lang="en-US" b="1" dirty="0"/>
+              <a:t>Industry Average</a:t>
+            </a:r>
+            <a:r>
+              <a:rPr lang="en-US" dirty="0"/>
+              <a:t>:</a:t>
+            </a:r>
+          </a:p>
+          <a:p>
+            <a:pPr marL="742950" lvl="1" indent="-285750">
+              <a:buFont typeface="+mj-lt"/>
+              <a:buAutoNum type="arabicPeriod"/>
+            </a:pPr>
+            <a:r>
+              <a:rPr lang="en-US" dirty="0"/>
+              <a:t>The average PUE in 2022, according to the Uptime Institute, was 1.55.</a:t>
+            </a:r>
+          </a:p>
+          <a:p>
+            <a:pPr>
+              <a:buFont typeface="+mj-lt"/>
+              <a:buAutoNum type="arabicPeriod"/>
+            </a:pPr>
+            <a:r>
+              <a:rPr lang="en-US" b="1" dirty="0"/>
+              <a:t>Annual Improvement Trends</a:t>
+            </a:r>
+            <a:r>
+              <a:rPr lang="en-US" dirty="0"/>
+              <a:t>:</a:t>
+            </a:r>
+          </a:p>
+          <a:p>
+            <a:pPr marL="742950" lvl="1" indent="-285750">
+              <a:buFont typeface="+mj-lt"/>
+              <a:buAutoNum type="arabicPeriod"/>
+            </a:pPr>
+            <a:r>
+              <a:rPr lang="en-US" dirty="0"/>
+              <a:t>While there is ongoing improvement, the annual PUE reduction rate remains low, with only minor gains observed in recent years.</a:t>
+            </a:r>
+          </a:p>
+          <a:p>
+            <a:r>
+              <a:rPr lang="en-US" b="1" dirty="0"/>
+              <a:t>Factors Influencing Efficiency Improvements:</a:t>
+            </a:r>
+          </a:p>
+          <a:p>
+            <a:pPr>
+              <a:buFont typeface="+mj-lt"/>
+              <a:buAutoNum type="arabicPeriod"/>
+            </a:pPr>
+            <a:r>
+              <a:rPr lang="en-US" b="1" dirty="0"/>
+              <a:t>Technological Advancements</a:t>
+            </a:r>
+            <a:r>
+              <a:rPr lang="en-US" dirty="0"/>
+              <a:t>:</a:t>
+            </a:r>
+          </a:p>
+          <a:p>
+            <a:pPr marL="742950" lvl="1" indent="-285750">
+              <a:buFont typeface="+mj-lt"/>
+              <a:buAutoNum type="arabicPeriod"/>
+            </a:pPr>
+            <a:r>
+              <a:rPr lang="en-US" dirty="0"/>
+              <a:t>Innovations in cooling systems, efficient server designs, and advanced power management technologies can improve PUE significantly.</a:t>
+            </a:r>
+          </a:p>
+          <a:p>
+            <a:pPr>
+              <a:buFont typeface="+mj-lt"/>
+              <a:buAutoNum type="arabicPeriod"/>
+            </a:pPr>
+            <a:r>
+              <a:rPr lang="en-US" b="1" dirty="0"/>
+              <a:t>Operational Practices</a:t>
+            </a:r>
+            <a:r>
+              <a:rPr lang="en-US" dirty="0"/>
+              <a:t>:</a:t>
+            </a:r>
+          </a:p>
+          <a:p>
+            <a:pPr marL="742950" lvl="1" indent="-285750">
+              <a:buFont typeface="+mj-lt"/>
+              <a:buAutoNum type="arabicPeriod"/>
+            </a:pPr>
+            <a:r>
+              <a:rPr lang="en-US" dirty="0"/>
+              <a:t>Enhanced operational strategies, including optimized load balancing and regular maintenance, contribute to efficiency gains.</a:t>
+            </a:r>
+          </a:p>
+          <a:p>
+            <a:pPr>
+              <a:buFont typeface="+mj-lt"/>
+              <a:buAutoNum type="arabicPeriod"/>
+            </a:pPr>
+            <a:r>
+              <a:rPr lang="en-US" b="1" dirty="0"/>
+              <a:t>Regulatory Pressures</a:t>
+            </a:r>
+            <a:r>
+              <a:rPr lang="en-US" dirty="0"/>
+              <a:t>:</a:t>
+            </a:r>
+          </a:p>
+          <a:p>
+            <a:pPr marL="742950" lvl="1" indent="-285750">
+              <a:buFont typeface="+mj-lt"/>
+              <a:buAutoNum type="arabicPeriod"/>
+            </a:pPr>
+            <a:r>
+              <a:rPr lang="en-US" dirty="0"/>
+              <a:t>Increasing environmental regulations are encouraging data center operators to prioritize energy efficiency.</a:t>
+            </a:r>
+          </a:p>
+          <a:p>
+            <a:pPr algn="l" fontAlgn="ctr">
+              <a:spcAft>
+                <a:spcPts val="1500"/>
+              </a:spcAft>
+            </a:pPr>
+            <a:endParaRPr lang="en-US" b="0" i="0" dirty="0">
+              <a:effectLst/>
+              <a:latin typeface="Google Sans"/>
+            </a:endParaRPr>
           </a:p>
         </p:txBody>
       </p:sp>
@@ -4307,7 +5167,7 @@
         </p:blipFill>
         <p:spPr>
           <a:xfrm>
-            <a:off x="2244527" y="1504851"/>
+            <a:off x="2171375" y="1504851"/>
             <a:ext cx="7702946" cy="3848298"/>
           </a:xfrm>
           <a:prstGeom prst="rect">
@@ -4549,7 +5409,7 @@
         </p:blipFill>
         <p:spPr>
           <a:xfrm>
-            <a:off x="1467768" y="4305300"/>
+            <a:off x="1440336" y="3429000"/>
             <a:ext cx="8472691" cy="6858000"/>
           </a:xfrm>
           <a:prstGeom prst="rect">
@@ -4592,7 +5452,7 @@
           <p:cNvPr id="2" name="Title 1">
             <a:extLst>
               <a:ext uri="{FF2B5EF4-FFF2-40B4-BE49-F238E27FC236}">
-                <a16:creationId xmlns:a16="http://schemas.microsoft.com/office/drawing/2014/main" id="{2714EC84-51E7-E497-FCC2-833975A3E41F}"/>
+                <a16:creationId xmlns:a16="http://schemas.microsoft.com/office/drawing/2014/main" id="{E3056888-74B0-B333-541D-8C3B068A2E49}"/>
               </a:ext>
             </a:extLst>
           </p:cNvPr>
@@ -4617,7 +5477,7 @@
           <p:cNvPr id="3" name="Content Placeholder 2">
             <a:extLst>
               <a:ext uri="{FF2B5EF4-FFF2-40B4-BE49-F238E27FC236}">
-                <a16:creationId xmlns:a16="http://schemas.microsoft.com/office/drawing/2014/main" id="{A5259C5E-FB05-5FC3-8AE3-67937548BEED}"/>
+                <a16:creationId xmlns:a16="http://schemas.microsoft.com/office/drawing/2014/main" id="{B00281FF-26E0-489C-F670-741A923EA6F0}"/>
               </a:ext>
             </a:extLst>
           </p:cNvPr>
@@ -4642,7 +5502,7 @@
           <p:cNvPr id="5" name="Picture 4">
             <a:extLst>
               <a:ext uri="{FF2B5EF4-FFF2-40B4-BE49-F238E27FC236}">
-                <a16:creationId xmlns:a16="http://schemas.microsoft.com/office/drawing/2014/main" id="{41CBE2EA-2AA4-66F6-9685-9C897587BEFC}"/>
+                <a16:creationId xmlns:a16="http://schemas.microsoft.com/office/drawing/2014/main" id="{976A6D77-1F3B-AD07-BD71-A1369CB86697}"/>
               </a:ext>
             </a:extLst>
           </p:cNvPr>
@@ -4659,8 +5519,8 @@
         </p:blipFill>
         <p:spPr>
           <a:xfrm>
-            <a:off x="1613862" y="552048"/>
-            <a:ext cx="8964276" cy="5753903"/>
+            <a:off x="1699599" y="109074"/>
+            <a:ext cx="8792802" cy="6639852"/>
           </a:xfrm>
           <a:prstGeom prst="rect">
             <a:avLst/>
@@ -4670,7 +5530,7 @@
     </p:spTree>
     <p:extLst>
       <p:ext uri="{BB962C8B-B14F-4D97-AF65-F5344CB8AC3E}">
-        <p14:creationId xmlns:p14="http://schemas.microsoft.com/office/powerpoint/2010/main" val="3332301977"/>
+        <p14:creationId xmlns:p14="http://schemas.microsoft.com/office/powerpoint/2010/main" val="1015549162"/>
       </p:ext>
     </p:extLst>
   </p:cSld>
@@ -4702,7 +5562,7 @@
           <p:cNvPr id="2" name="Title 1">
             <a:extLst>
               <a:ext uri="{FF2B5EF4-FFF2-40B4-BE49-F238E27FC236}">
-                <a16:creationId xmlns:a16="http://schemas.microsoft.com/office/drawing/2014/main" id="{E3056888-74B0-B333-541D-8C3B068A2E49}"/>
+                <a16:creationId xmlns:a16="http://schemas.microsoft.com/office/drawing/2014/main" id="{56813A8D-AC30-39EA-BC69-A89477C0B5B6}"/>
               </a:ext>
             </a:extLst>
           </p:cNvPr>
@@ -4727,7 +5587,7 @@
           <p:cNvPr id="3" name="Content Placeholder 2">
             <a:extLst>
               <a:ext uri="{FF2B5EF4-FFF2-40B4-BE49-F238E27FC236}">
-                <a16:creationId xmlns:a16="http://schemas.microsoft.com/office/drawing/2014/main" id="{B00281FF-26E0-489C-F670-741A923EA6F0}"/>
+                <a16:creationId xmlns:a16="http://schemas.microsoft.com/office/drawing/2014/main" id="{495301D8-D0AD-C5C1-BB32-1FF0193858E9}"/>
               </a:ext>
             </a:extLst>
           </p:cNvPr>
@@ -4752,7 +5612,7 @@
           <p:cNvPr id="5" name="Picture 4">
             <a:extLst>
               <a:ext uri="{FF2B5EF4-FFF2-40B4-BE49-F238E27FC236}">
-                <a16:creationId xmlns:a16="http://schemas.microsoft.com/office/drawing/2014/main" id="{976A6D77-1F3B-AD07-BD71-A1369CB86697}"/>
+                <a16:creationId xmlns:a16="http://schemas.microsoft.com/office/drawing/2014/main" id="{7462223E-CAFC-0E43-3F44-82B82473FC4F}"/>
               </a:ext>
             </a:extLst>
           </p:cNvPr>
@@ -4769,8 +5629,103 @@
         </p:blipFill>
         <p:spPr>
           <a:xfrm>
-            <a:off x="1699599" y="109074"/>
-            <a:ext cx="8792802" cy="6639852"/>
+            <a:off x="93376" y="0"/>
+            <a:ext cx="6633148" cy="6858000"/>
+          </a:xfrm>
+          <a:prstGeom prst="rect">
+            <a:avLst/>
+          </a:prstGeom>
+        </p:spPr>
+      </p:pic>
+      <p:sp>
+        <p:nvSpPr>
+          <p:cNvPr id="4" name="TextBox 3">
+            <a:extLst>
+              <a:ext uri="{FF2B5EF4-FFF2-40B4-BE49-F238E27FC236}">
+                <a16:creationId xmlns:a16="http://schemas.microsoft.com/office/drawing/2014/main" id="{C5D73D82-0AB5-29DB-5897-B5D68D15CD7A}"/>
+              </a:ext>
+            </a:extLst>
+          </p:cNvPr>
+          <p:cNvSpPr txBox="1"/>
+          <p:nvPr/>
+        </p:nvSpPr>
+        <p:spPr>
+          <a:xfrm>
+            <a:off x="3055707" y="3539629"/>
+            <a:ext cx="1924050" cy="923330"/>
+          </a:xfrm>
+          <a:prstGeom prst="rect">
+            <a:avLst/>
+          </a:prstGeom>
+          <a:noFill/>
+        </p:spPr>
+        <p:txBody>
+          <a:bodyPr wrap="square" rtlCol="0">
+            <a:spAutoFit/>
+          </a:bodyPr>
+          <a:lstStyle/>
+          <a:p>
+            <a:r>
+              <a:rPr lang="en-US" dirty="0"/>
+              <a:t>Updated version of that chart: ~1000twh in 2030</a:t>
+            </a:r>
+          </a:p>
+        </p:txBody>
+      </p:sp>
+      <p:pic>
+        <p:nvPicPr>
+          <p:cNvPr id="7" name="Picture 6">
+            <a:extLst>
+              <a:ext uri="{FF2B5EF4-FFF2-40B4-BE49-F238E27FC236}">
+                <a16:creationId xmlns:a16="http://schemas.microsoft.com/office/drawing/2014/main" id="{DAD3A2C1-C0BC-3873-1ED3-9D1846B43764}"/>
+              </a:ext>
+            </a:extLst>
+          </p:cNvPr>
+          <p:cNvPicPr>
+            <a:picLocks noChangeAspect="1"/>
+          </p:cNvPicPr>
+          <p:nvPr/>
+        </p:nvPicPr>
+        <p:blipFill>
+          <a:blip r:embed="rId3"/>
+          <a:stretch>
+            <a:fillRect/>
+          </a:stretch>
+        </p:blipFill>
+        <p:spPr>
+          <a:xfrm>
+            <a:off x="6356056" y="190500"/>
+            <a:ext cx="6947487" cy="6858000"/>
+          </a:xfrm>
+          <a:prstGeom prst="rect">
+            <a:avLst/>
+          </a:prstGeom>
+        </p:spPr>
+      </p:pic>
+      <p:pic>
+        <p:nvPicPr>
+          <p:cNvPr id="9" name="Picture 8">
+            <a:extLst>
+              <a:ext uri="{FF2B5EF4-FFF2-40B4-BE49-F238E27FC236}">
+                <a16:creationId xmlns:a16="http://schemas.microsoft.com/office/drawing/2014/main" id="{88429030-15A7-549B-FF85-0694C1186388}"/>
+              </a:ext>
+            </a:extLst>
+          </p:cNvPr>
+          <p:cNvPicPr>
+            <a:picLocks noChangeAspect="1"/>
+          </p:cNvPicPr>
+          <p:nvPr/>
+        </p:nvPicPr>
+        <p:blipFill>
+          <a:blip r:embed="rId4"/>
+          <a:stretch>
+            <a:fillRect/>
+          </a:stretch>
+        </p:blipFill>
+        <p:spPr>
+          <a:xfrm>
+            <a:off x="6461474" y="6992937"/>
+            <a:ext cx="6842069" cy="6858000"/>
           </a:xfrm>
           <a:prstGeom prst="rect">
             <a:avLst/>
@@ -4780,7 +5735,7 @@
     </p:spTree>
     <p:extLst>
       <p:ext uri="{BB962C8B-B14F-4D97-AF65-F5344CB8AC3E}">
-        <p14:creationId xmlns:p14="http://schemas.microsoft.com/office/powerpoint/2010/main" val="1015549162"/>
+        <p14:creationId xmlns:p14="http://schemas.microsoft.com/office/powerpoint/2010/main" val="2340135967"/>
       </p:ext>
     </p:extLst>
   </p:cSld>
@@ -4963,7 +5918,7 @@
           <p:cNvPr id="2" name="Title 1">
             <a:extLst>
               <a:ext uri="{FF2B5EF4-FFF2-40B4-BE49-F238E27FC236}">
-                <a16:creationId xmlns:a16="http://schemas.microsoft.com/office/drawing/2014/main" id="{56813A8D-AC30-39EA-BC69-A89477C0B5B6}"/>
+                <a16:creationId xmlns:a16="http://schemas.microsoft.com/office/drawing/2014/main" id="{04BB48C0-714B-AC2E-02FD-157EDC2B7C06}"/>
               </a:ext>
             </a:extLst>
           </p:cNvPr>
@@ -4988,7 +5943,7 @@
           <p:cNvPr id="3" name="Content Placeholder 2">
             <a:extLst>
               <a:ext uri="{FF2B5EF4-FFF2-40B4-BE49-F238E27FC236}">
-                <a16:creationId xmlns:a16="http://schemas.microsoft.com/office/drawing/2014/main" id="{495301D8-D0AD-C5C1-BB32-1FF0193858E9}"/>
+                <a16:creationId xmlns:a16="http://schemas.microsoft.com/office/drawing/2014/main" id="{B05EB037-D0B4-FF45-A45E-87EE3257FD1B}"/>
               </a:ext>
             </a:extLst>
           </p:cNvPr>
@@ -4999,12 +5954,20 @@
             <p:ph idx="1"/>
           </p:nvPr>
         </p:nvSpPr>
-        <p:spPr/>
-        <p:txBody>
-          <a:bodyPr/>
-          <a:lstStyle/>
-          <a:p>
-            <a:endParaRPr lang="en-US"/>
+        <p:spPr>
+          <a:xfrm>
+            <a:off x="838200" y="1825625"/>
+            <a:ext cx="2381250" cy="4351338"/>
+          </a:xfrm>
+        </p:spPr>
+        <p:txBody>
+          <a:bodyPr/>
+          <a:lstStyle/>
+          <a:p>
+            <a:r>
+              <a:rPr lang="en-US" dirty="0"/>
+              <a:t>https://www.iea.org/commentaries/what-the-data-centre-and-ai-boom-could-mean-for-the-energy-sector</a:t>
+            </a:r>
           </a:p>
         </p:txBody>
       </p:sp>
@@ -5013,7 +5976,7 @@
           <p:cNvPr id="5" name="Picture 4">
             <a:extLst>
               <a:ext uri="{FF2B5EF4-FFF2-40B4-BE49-F238E27FC236}">
-                <a16:creationId xmlns:a16="http://schemas.microsoft.com/office/drawing/2014/main" id="{7462223E-CAFC-0E43-3F44-82B82473FC4F}"/>
+                <a16:creationId xmlns:a16="http://schemas.microsoft.com/office/drawing/2014/main" id="{B3E03F61-F48A-2374-B4A2-C521F4CA145C}"/>
               </a:ext>
             </a:extLst>
           </p:cNvPr>
@@ -5030,8 +5993,8 @@
         </p:blipFill>
         <p:spPr>
           <a:xfrm>
-            <a:off x="93376" y="0"/>
-            <a:ext cx="6633148" cy="6858000"/>
+            <a:off x="2904679" y="271022"/>
+            <a:ext cx="6382641" cy="6315956"/>
           </a:xfrm>
           <a:prstGeom prst="rect">
             <a:avLst/>
@@ -5041,7 +6004,7 @@
     </p:spTree>
     <p:extLst>
       <p:ext uri="{BB962C8B-B14F-4D97-AF65-F5344CB8AC3E}">
-        <p14:creationId xmlns:p14="http://schemas.microsoft.com/office/powerpoint/2010/main" val="2340135967"/>
+        <p14:creationId xmlns:p14="http://schemas.microsoft.com/office/powerpoint/2010/main" val="3221208465"/>
       </p:ext>
     </p:extLst>
   </p:cSld>
@@ -5073,6 +6036,263 @@
           <p:cNvPr id="2" name="Title 1">
             <a:extLst>
               <a:ext uri="{FF2B5EF4-FFF2-40B4-BE49-F238E27FC236}">
+                <a16:creationId xmlns:a16="http://schemas.microsoft.com/office/drawing/2014/main" id="{B1C65C6F-C18B-E4B2-0CF4-3030A95A8C1B}"/>
+              </a:ext>
+            </a:extLst>
+          </p:cNvPr>
+          <p:cNvSpPr>
+            <a:spLocks noGrp="1"/>
+          </p:cNvSpPr>
+          <p:nvPr>
+            <p:ph type="title"/>
+          </p:nvPr>
+        </p:nvSpPr>
+        <p:spPr/>
+        <p:txBody>
+          <a:bodyPr/>
+          <a:lstStyle/>
+          <a:p>
+            <a:r>
+              <a:rPr lang="en-US" dirty="0"/>
+              <a:t>Conversion factors</a:t>
+            </a:r>
+          </a:p>
+        </p:txBody>
+      </p:sp>
+      <p:sp>
+        <p:nvSpPr>
+          <p:cNvPr id="3" name="Content Placeholder 2">
+            <a:extLst>
+              <a:ext uri="{FF2B5EF4-FFF2-40B4-BE49-F238E27FC236}">
+                <a16:creationId xmlns:a16="http://schemas.microsoft.com/office/drawing/2014/main" id="{A6DC7F77-1D92-F8BC-16CC-7FFF950F4A17}"/>
+              </a:ext>
+            </a:extLst>
+          </p:cNvPr>
+          <p:cNvSpPr>
+            <a:spLocks noGrp="1"/>
+          </p:cNvSpPr>
+          <p:nvPr>
+            <p:ph idx="1"/>
+          </p:nvPr>
+        </p:nvSpPr>
+        <p:spPr/>
+        <p:txBody>
+          <a:bodyPr>
+            <a:normAutofit fontScale="85000" lnSpcReduction="20000"/>
+          </a:bodyPr>
+          <a:lstStyle/>
+          <a:p>
+            <a:r>
+              <a:rPr lang="en-US" dirty="0"/>
+              <a:t>1 /8760 – </a:t>
+            </a:r>
+            <a:r>
+              <a:rPr lang="en-US" dirty="0" err="1"/>
+              <a:t>mwh</a:t>
+            </a:r>
+            <a:r>
+              <a:rPr lang="en-US" dirty="0"/>
+              <a:t> to mw</a:t>
+            </a:r>
+          </a:p>
+          <a:p>
+            <a:r>
+              <a:rPr lang="en-US" dirty="0"/>
+              <a:t>1*8760 – mw to </a:t>
+            </a:r>
+            <a:r>
+              <a:rPr lang="en-US" dirty="0" err="1"/>
+              <a:t>mwh</a:t>
+            </a:r>
+            <a:endParaRPr lang="en-US" dirty="0"/>
+          </a:p>
+          <a:p>
+            <a:r>
+              <a:rPr lang="en-US" dirty="0" err="1"/>
+              <a:t>Mwh</a:t>
+            </a:r>
+            <a:r>
+              <a:rPr lang="en-US" dirty="0"/>
+              <a:t> to </a:t>
+            </a:r>
+            <a:r>
+              <a:rPr lang="en-US" dirty="0" err="1"/>
+              <a:t>twh</a:t>
+            </a:r>
+            <a:r>
+              <a:rPr lang="en-US" dirty="0"/>
+              <a:t> = 1/1e6</a:t>
+            </a:r>
+          </a:p>
+          <a:p>
+            <a:r>
+              <a:rPr lang="en-US" dirty="0"/>
+              <a:t>Mw to </a:t>
+            </a:r>
+            <a:r>
+              <a:rPr lang="en-US" dirty="0" err="1"/>
+              <a:t>twh</a:t>
+            </a:r>
+            <a:r>
+              <a:rPr lang="en-US" dirty="0"/>
+              <a:t> = 1*0.00876 , </a:t>
+            </a:r>
+            <a:r>
+              <a:rPr lang="en-US" dirty="0" err="1"/>
+              <a:t>gw</a:t>
+            </a:r>
+            <a:r>
+              <a:rPr lang="en-US" dirty="0"/>
+              <a:t> to </a:t>
+            </a:r>
+            <a:r>
+              <a:rPr lang="en-US" dirty="0" err="1"/>
+              <a:t>twh</a:t>
+            </a:r>
+            <a:r>
+              <a:rPr lang="en-US" dirty="0"/>
+              <a:t> = 1*8.76</a:t>
+            </a:r>
+          </a:p>
+          <a:p>
+            <a:r>
+              <a:rPr lang="en-US" dirty="0" err="1"/>
+              <a:t>Twh</a:t>
+            </a:r>
+            <a:r>
+              <a:rPr lang="en-US" dirty="0"/>
+              <a:t> to mw = 1/0.00876</a:t>
+            </a:r>
+          </a:p>
+          <a:p>
+            <a:pPr lvl="1"/>
+            <a:r>
+              <a:rPr lang="en-US" dirty="0"/>
+              <a:t>To produce 1 TWh of energy in a year, you would need 114.155 MW of continuous power. (</a:t>
+            </a:r>
+            <a:r>
+              <a:rPr lang="en-US" dirty="0" err="1"/>
+              <a:t>theres</a:t>
+            </a:r>
+            <a:r>
+              <a:rPr lang="en-US" dirty="0"/>
+              <a:t> 8760 hours in a year, so mw to </a:t>
+            </a:r>
+            <a:r>
+              <a:rPr lang="en-US" dirty="0" err="1"/>
+              <a:t>mwh</a:t>
+            </a:r>
+            <a:r>
+              <a:rPr lang="en-US" dirty="0"/>
+              <a:t> is just 1mw*8760h)</a:t>
+            </a:r>
+          </a:p>
+          <a:p>
+            <a:r>
+              <a:rPr lang="en-US" dirty="0"/>
+              <a:t>1*3.6 – </a:t>
+            </a:r>
+            <a:r>
+              <a:rPr lang="en-US" dirty="0" err="1"/>
+              <a:t>twh</a:t>
+            </a:r>
+            <a:r>
+              <a:rPr lang="en-US" dirty="0"/>
+              <a:t> to </a:t>
+            </a:r>
+            <a:r>
+              <a:rPr lang="en-US" dirty="0" err="1"/>
+              <a:t>pj</a:t>
+            </a:r>
+            <a:r>
+              <a:rPr lang="en-US" dirty="0"/>
+              <a:t> (1 </a:t>
+            </a:r>
+            <a:r>
+              <a:rPr lang="en-US" dirty="0" err="1"/>
+              <a:t>twh</a:t>
+            </a:r>
+            <a:r>
+              <a:rPr lang="en-US" dirty="0"/>
+              <a:t> is 3.6 </a:t>
+            </a:r>
+            <a:r>
+              <a:rPr lang="en-US" dirty="0" err="1"/>
+              <a:t>pj</a:t>
+            </a:r>
+            <a:r>
+              <a:rPr lang="en-US" dirty="0"/>
+              <a:t>)</a:t>
+            </a:r>
+          </a:p>
+          <a:p>
+            <a:r>
+              <a:rPr lang="en-US" dirty="0"/>
+              <a:t>Mw to PJ = 1/31.709 (or 1* 0.031536)</a:t>
+            </a:r>
+          </a:p>
+          <a:p>
+            <a:r>
+              <a:rPr lang="en-US" dirty="0" err="1"/>
+              <a:t>Pj</a:t>
+            </a:r>
+            <a:r>
+              <a:rPr lang="en-US" dirty="0"/>
+              <a:t> to mw = 1*31.709</a:t>
+            </a:r>
+          </a:p>
+          <a:p>
+            <a:pPr lvl="1"/>
+            <a:r>
+              <a:rPr lang="en-US" sz="2800" dirty="0"/>
+              <a:t>To produce 1 </a:t>
+            </a:r>
+            <a:r>
+              <a:rPr lang="en-US" sz="2800" dirty="0" err="1"/>
+              <a:t>pj</a:t>
+            </a:r>
+            <a:r>
+              <a:rPr lang="en-US" sz="2800" dirty="0"/>
+              <a:t> of energy you would need ~0.27778twh which is ~31.709mw</a:t>
+            </a:r>
+          </a:p>
+        </p:txBody>
+      </p:sp>
+    </p:spTree>
+    <p:extLst>
+      <p:ext uri="{BB962C8B-B14F-4D97-AF65-F5344CB8AC3E}">
+        <p14:creationId xmlns:p14="http://schemas.microsoft.com/office/powerpoint/2010/main" val="669192337"/>
+      </p:ext>
+    </p:extLst>
+  </p:cSld>
+  <p:clrMapOvr>
+    <a:masterClrMapping/>
+  </p:clrMapOvr>
+</p:sld>
+</file>
+
+<file path=ppt/slides/slide22.xml><?xml version="1.0" encoding="utf-8"?>
+<p:sld xmlns:a="http://schemas.openxmlformats.org/drawingml/2006/main" xmlns:r="http://schemas.openxmlformats.org/officeDocument/2006/relationships" xmlns:p="http://schemas.openxmlformats.org/presentationml/2006/main">
+  <p:cSld>
+    <p:spTree>
+      <p:nvGrpSpPr>
+        <p:cNvPr id="1" name=""/>
+        <p:cNvGrpSpPr/>
+        <p:nvPr/>
+      </p:nvGrpSpPr>
+      <p:grpSpPr>
+        <a:xfrm>
+          <a:off x="0" y="0"/>
+          <a:ext cx="0" cy="0"/>
+          <a:chOff x="0" y="0"/>
+          <a:chExt cx="0" cy="0"/>
+        </a:xfrm>
+      </p:grpSpPr>
+      <p:sp>
+        <p:nvSpPr>
+          <p:cNvPr id="2" name="Title 1">
+            <a:extLst>
+              <a:ext uri="{FF2B5EF4-FFF2-40B4-BE49-F238E27FC236}">
                 <a16:creationId xmlns:a16="http://schemas.microsoft.com/office/drawing/2014/main" id="{073384F4-20E7-69AC-4B18-F347483E1FA0}"/>
               </a:ext>
             </a:extLst>
@@ -5084,12 +6304,22 @@
             <p:ph type="title"/>
           </p:nvPr>
         </p:nvSpPr>
-        <p:spPr/>
-        <p:txBody>
-          <a:bodyPr/>
-          <a:lstStyle/>
-          <a:p>
-            <a:endParaRPr lang="en-US"/>
+        <p:spPr>
+          <a:xfrm>
+            <a:off x="1874520" y="365125"/>
+            <a:ext cx="9479280" cy="366395"/>
+          </a:xfrm>
+        </p:spPr>
+        <p:txBody>
+          <a:bodyPr>
+            <a:normAutofit fontScale="90000"/>
+          </a:bodyPr>
+          <a:lstStyle/>
+          <a:p>
+            <a:r>
+              <a:rPr lang="en-US" dirty="0"/>
+              <a:t>USA</a:t>
+            </a:r>
           </a:p>
         </p:txBody>
       </p:sp>
@@ -5117,7 +6347,7 @@
         </p:spPr>
         <p:txBody>
           <a:bodyPr>
-            <a:normAutofit fontScale="70000" lnSpcReduction="20000"/>
+            <a:normAutofit fontScale="62500" lnSpcReduction="20000"/>
           </a:bodyPr>
           <a:lstStyle/>
           <a:p>
@@ -5164,7 +6394,7 @@
           <a:p>
             <a:r>
               <a:rPr lang="en-US" dirty="0">
-                <a:hlinkClick r:id="rId2"/>
+                <a:hlinkClick r:id="rId3"/>
               </a:rPr>
               <a:t>https://www.goldmansachs.com/pdfs/insights/pages/generational-growth-ai-data-centers-and-the-coming-us-power-surge/report.pdf</a:t>
             </a:r>
@@ -5172,32 +6402,18 @@
           </a:p>
           <a:p>
             <a:r>
-              <a:rPr lang="en-US" dirty="0"/>
-              <a:t>Note 1050 </a:t>
-            </a:r>
-            <a:r>
-              <a:rPr lang="en-US" dirty="0" err="1"/>
-              <a:t>twh</a:t>
-            </a:r>
-            <a:r>
-              <a:rPr lang="en-US" dirty="0"/>
-              <a:t> is 3780pj, 200 </a:t>
-            </a:r>
-            <a:r>
-              <a:rPr lang="en-US" dirty="0" err="1"/>
-              <a:t>twh</a:t>
-            </a:r>
-            <a:r>
-              <a:rPr lang="en-US" dirty="0"/>
-              <a:t> is 720pj , 850 </a:t>
-            </a:r>
-            <a:r>
-              <a:rPr lang="en-US" dirty="0" err="1"/>
-              <a:t>twh</a:t>
-            </a:r>
-            <a:r>
-              <a:rPr lang="en-US" dirty="0"/>
-              <a:t> is 3060pj </a:t>
+              <a:rPr lang="en-US" sz="1800" dirty="0">
+                <a:effectLst/>
+                <a:latin typeface="Segoe UI" panose="020B0502040204020203" pitchFamily="34" charset="0"/>
+              </a:rPr>
+              <a:t>https://iea.blob.core.windows.net/assets/234d0d22-6f5b-4dc4-9f08-2485f0c5ec24/ElectricityMid-YearUpdate_July2024.pdf</a:t>
+            </a:r>
+            <a:endParaRPr lang="en-US" dirty="0"/>
+          </a:p>
+          <a:p>
+            <a:r>
+              <a:rPr lang="en-US" dirty="0"/>
+              <a:t>Lets go with 400twh by 2030. that is 45gw, 45,000mw, 1440pj</a:t>
             </a:r>
           </a:p>
         </p:txBody>
@@ -5208,6 +6424,403 @@
             <a:extLst>
               <a:ext uri="{FF2B5EF4-FFF2-40B4-BE49-F238E27FC236}">
                 <a16:creationId xmlns:a16="http://schemas.microsoft.com/office/drawing/2014/main" id="{99D67208-9983-496F-E2DC-C680E1B48FC5}"/>
+              </a:ext>
+            </a:extLst>
+          </p:cNvPr>
+          <p:cNvPicPr>
+            <a:picLocks noChangeAspect="1"/>
+          </p:cNvPicPr>
+          <p:nvPr/>
+        </p:nvPicPr>
+        <p:blipFill>
+          <a:blip r:embed="rId4"/>
+          <a:stretch>
+            <a:fillRect/>
+          </a:stretch>
+        </p:blipFill>
+        <p:spPr>
+          <a:xfrm>
+            <a:off x="104976" y="931356"/>
+            <a:ext cx="4015606" cy="2716719"/>
+          </a:xfrm>
+          <a:prstGeom prst="rect">
+            <a:avLst/>
+          </a:prstGeom>
+        </p:spPr>
+      </p:pic>
+      <p:pic>
+        <p:nvPicPr>
+          <p:cNvPr id="6" name="Picture 5">
+            <a:extLst>
+              <a:ext uri="{FF2B5EF4-FFF2-40B4-BE49-F238E27FC236}">
+                <a16:creationId xmlns:a16="http://schemas.microsoft.com/office/drawing/2014/main" id="{5E85D376-8F32-62DC-72AE-3C9F77CD7767}"/>
+              </a:ext>
+            </a:extLst>
+          </p:cNvPr>
+          <p:cNvPicPr>
+            <a:picLocks noChangeAspect="1"/>
+          </p:cNvPicPr>
+          <p:nvPr/>
+        </p:nvPicPr>
+        <p:blipFill>
+          <a:blip r:embed="rId5"/>
+          <a:stretch>
+            <a:fillRect/>
+          </a:stretch>
+        </p:blipFill>
+        <p:spPr>
+          <a:xfrm>
+            <a:off x="104976" y="294548"/>
+            <a:ext cx="7762674" cy="6308540"/>
+          </a:xfrm>
+          <a:prstGeom prst="rect">
+            <a:avLst/>
+          </a:prstGeom>
+        </p:spPr>
+      </p:pic>
+    </p:spTree>
+    <p:extLst>
+      <p:ext uri="{BB962C8B-B14F-4D97-AF65-F5344CB8AC3E}">
+        <p14:creationId xmlns:p14="http://schemas.microsoft.com/office/powerpoint/2010/main" val="3081745089"/>
+      </p:ext>
+    </p:extLst>
+  </p:cSld>
+  <p:clrMapOvr>
+    <a:masterClrMapping/>
+  </p:clrMapOvr>
+  <p:extLst>
+    <p:ext uri="{6950BFC3-D8DA-4A85-94F7-54DA5524770B}">
+      <p188:commentRel xmlns:p188="http://schemas.microsoft.com/office/powerpoint/2018/8/main" r:id="rId2"/>
+    </p:ext>
+  </p:extLst>
+</p:sld>
+</file>
+
+<file path=ppt/slides/slide23.xml><?xml version="1.0" encoding="utf-8"?>
+<p:sld xmlns:a="http://schemas.openxmlformats.org/drawingml/2006/main" xmlns:r="http://schemas.openxmlformats.org/officeDocument/2006/relationships" xmlns:p="http://schemas.openxmlformats.org/presentationml/2006/main">
+  <p:cSld>
+    <p:spTree>
+      <p:nvGrpSpPr>
+        <p:cNvPr id="1" name=""/>
+        <p:cNvGrpSpPr/>
+        <p:nvPr/>
+      </p:nvGrpSpPr>
+      <p:grpSpPr>
+        <a:xfrm>
+          <a:off x="0" y="0"/>
+          <a:ext cx="0" cy="0"/>
+          <a:chOff x="0" y="0"/>
+          <a:chExt cx="0" cy="0"/>
+        </a:xfrm>
+      </p:grpSpPr>
+      <p:sp>
+        <p:nvSpPr>
+          <p:cNvPr id="2" name="Title 1">
+            <a:extLst>
+              <a:ext uri="{FF2B5EF4-FFF2-40B4-BE49-F238E27FC236}">
+                <a16:creationId xmlns:a16="http://schemas.microsoft.com/office/drawing/2014/main" id="{2714EC84-51E7-E497-FCC2-833975A3E41F}"/>
+              </a:ext>
+            </a:extLst>
+          </p:cNvPr>
+          <p:cNvSpPr>
+            <a:spLocks noGrp="1"/>
+          </p:cNvSpPr>
+          <p:nvPr>
+            <p:ph type="title"/>
+          </p:nvPr>
+        </p:nvSpPr>
+        <p:spPr/>
+        <p:txBody>
+          <a:bodyPr/>
+          <a:lstStyle/>
+          <a:p>
+            <a:r>
+              <a:rPr lang="en-US" dirty="0"/>
+              <a:t>Korea</a:t>
+            </a:r>
+            <a:br>
+              <a:rPr lang="en-US" dirty="0"/>
+            </a:br>
+            <a:endParaRPr lang="en-US" dirty="0"/>
+          </a:p>
+        </p:txBody>
+      </p:sp>
+      <p:pic>
+        <p:nvPicPr>
+          <p:cNvPr id="5" name="Picture 4">
+            <a:extLst>
+              <a:ext uri="{FF2B5EF4-FFF2-40B4-BE49-F238E27FC236}">
+                <a16:creationId xmlns:a16="http://schemas.microsoft.com/office/drawing/2014/main" id="{41CBE2EA-2AA4-66F6-9685-9C897587BEFC}"/>
+              </a:ext>
+            </a:extLst>
+          </p:cNvPr>
+          <p:cNvPicPr>
+            <a:picLocks noChangeAspect="1"/>
+          </p:cNvPicPr>
+          <p:nvPr/>
+        </p:nvPicPr>
+        <p:blipFill>
+          <a:blip r:embed="rId2"/>
+          <a:stretch>
+            <a:fillRect/>
+          </a:stretch>
+        </p:blipFill>
+        <p:spPr>
+          <a:xfrm>
+            <a:off x="2985462" y="945610"/>
+            <a:ext cx="8964276" cy="5753903"/>
+          </a:xfrm>
+          <a:prstGeom prst="rect">
+            <a:avLst/>
+          </a:prstGeom>
+        </p:spPr>
+      </p:pic>
+      <p:sp>
+        <p:nvSpPr>
+          <p:cNvPr id="4" name="Rectangle 1">
+            <a:extLst>
+              <a:ext uri="{FF2B5EF4-FFF2-40B4-BE49-F238E27FC236}">
+                <a16:creationId xmlns:a16="http://schemas.microsoft.com/office/drawing/2014/main" id="{19B464C8-E9B7-1FF0-554C-2E3AC34F0276}"/>
+              </a:ext>
+            </a:extLst>
+          </p:cNvPr>
+          <p:cNvSpPr>
+            <a:spLocks noGrp="1" noChangeArrowheads="1"/>
+          </p:cNvSpPr>
+          <p:nvPr>
+            <p:ph idx="1"/>
+          </p:nvPr>
+        </p:nvSpPr>
+        <p:spPr bwMode="auto">
+          <a:xfrm>
+            <a:off x="655320" y="1802269"/>
+            <a:ext cx="2147262" cy="923330"/>
+          </a:xfrm>
+          <a:prstGeom prst="rect">
+            <a:avLst/>
+          </a:prstGeom>
+          <a:noFill/>
+          <a:ln>
+            <a:noFill/>
+          </a:ln>
+          <a:effectLst/>
+          <a:extLst>
+            <a:ext uri="{909E8E84-426E-40DD-AFC4-6F175D3DCCD1}">
+              <a14:hiddenFill xmlns:a14="http://schemas.microsoft.com/office/drawing/2010/main">
+                <a:solidFill>
+                  <a:schemeClr val="accent1"/>
+                </a:solidFill>
+              </a14:hiddenFill>
+            </a:ext>
+            <a:ext uri="{91240B29-F687-4F45-9708-019B960494DF}">
+              <a14:hiddenLine xmlns:a14="http://schemas.microsoft.com/office/drawing/2010/main" w="9525">
+                <a:solidFill>
+                  <a:schemeClr val="tx1"/>
+                </a:solidFill>
+                <a:miter lim="800000"/>
+                <a:headEnd/>
+                <a:tailEnd/>
+              </a14:hiddenLine>
+            </a:ext>
+            <a:ext uri="{AF507438-7753-43E0-B8FC-AC1667EBCBE1}">
+              <a14:hiddenEffects xmlns:a14="http://schemas.microsoft.com/office/drawing/2010/main">
+                <a:effectLst>
+                  <a:outerShdw dist="35921" dir="2700000" algn="ctr" rotWithShape="0">
+                    <a:schemeClr val="bg2"/>
+                  </a:outerShdw>
+                </a:effectLst>
+              </a14:hiddenEffects>
+            </a:ext>
+          </a:extLst>
+        </p:spPr>
+        <p:txBody>
+          <a:bodyPr vert="horz" wrap="square" lIns="91440" tIns="45720" rIns="91440" bIns="45720" numCol="1" anchor="ctr" anchorCtr="0" compatLnSpc="1">
+            <a:prstTxWarp prst="textNoShape">
+              <a:avLst/>
+            </a:prstTxWarp>
+            <a:spAutoFit/>
+          </a:bodyPr>
+          <a:lstStyle/>
+          <a:p>
+            <a:pPr marL="0" marR="0" lvl="0" indent="0" algn="l" defTabSz="914400" rtl="0" eaLnBrk="0" fontAlgn="base" latinLnBrk="0" hangingPunct="0">
+              <a:lnSpc>
+                <a:spcPct val="100000"/>
+              </a:lnSpc>
+              <a:spcBef>
+                <a:spcPct val="0"/>
+              </a:spcBef>
+              <a:spcAft>
+                <a:spcPct val="0"/>
+              </a:spcAft>
+              <a:buClrTx/>
+              <a:buSzTx/>
+              <a:buFontTx/>
+              <a:buNone/>
+              <a:tabLst/>
+            </a:pPr>
+            <a:r>
+              <a:rPr kumimoji="0" lang="en-US" altLang="en-US" sz="1800" b="0" i="0" u="none" strike="noStrike" cap="none" normalizeH="0" baseline="0">
+                <a:ln>
+                  <a:noFill/>
+                </a:ln>
+                <a:solidFill>
+                  <a:schemeClr val="tx1"/>
+                </a:solidFill>
+                <a:effectLst/>
+                <a:latin typeface="Arial" panose="020B0604020202020204" pitchFamily="34" charset="0"/>
+                <a:hlinkClick r:id="rId3"/>
+              </a:rPr>
+              <a:t>1h2024-korea-data-centers(en) (2).pdf</a:t>
+            </a:r>
+            <a:endParaRPr kumimoji="0" lang="en-US" altLang="en-US" sz="1800" b="0" i="0" u="none" strike="noStrike" cap="none" normalizeH="0" baseline="0">
+              <a:ln>
+                <a:noFill/>
+              </a:ln>
+              <a:solidFill>
+                <a:schemeClr val="tx1"/>
+              </a:solidFill>
+              <a:effectLst/>
+              <a:latin typeface="Arial" panose="020B0604020202020204" pitchFamily="34" charset="0"/>
+            </a:endParaRPr>
+          </a:p>
+        </p:txBody>
+      </p:sp>
+    </p:spTree>
+    <p:extLst>
+      <p:ext uri="{BB962C8B-B14F-4D97-AF65-F5344CB8AC3E}">
+        <p14:creationId xmlns:p14="http://schemas.microsoft.com/office/powerpoint/2010/main" val="3332301977"/>
+      </p:ext>
+    </p:extLst>
+  </p:cSld>
+  <p:clrMapOvr>
+    <a:masterClrMapping/>
+  </p:clrMapOvr>
+</p:sld>
+</file>
+
+<file path=ppt/slides/slide24.xml><?xml version="1.0" encoding="utf-8"?>
+<p:sld xmlns:a="http://schemas.openxmlformats.org/drawingml/2006/main" xmlns:r="http://schemas.openxmlformats.org/officeDocument/2006/relationships" xmlns:p="http://schemas.openxmlformats.org/presentationml/2006/main">
+  <p:cSld>
+    <p:spTree>
+      <p:nvGrpSpPr>
+        <p:cNvPr id="1" name=""/>
+        <p:cNvGrpSpPr/>
+        <p:nvPr/>
+      </p:nvGrpSpPr>
+      <p:grpSpPr>
+        <a:xfrm>
+          <a:off x="0" y="0"/>
+          <a:ext cx="0" cy="0"/>
+          <a:chOff x="0" y="0"/>
+          <a:chExt cx="0" cy="0"/>
+        </a:xfrm>
+      </p:grpSpPr>
+      <p:sp>
+        <p:nvSpPr>
+          <p:cNvPr id="8" name="TextBox 7">
+            <a:extLst>
+              <a:ext uri="{FF2B5EF4-FFF2-40B4-BE49-F238E27FC236}">
+                <a16:creationId xmlns:a16="http://schemas.microsoft.com/office/drawing/2014/main" id="{62E53D38-6B72-6FC7-55D7-1808161E2E06}"/>
+              </a:ext>
+            </a:extLst>
+          </p:cNvPr>
+          <p:cNvSpPr txBox="1"/>
+          <p:nvPr/>
+        </p:nvSpPr>
+        <p:spPr>
+          <a:xfrm>
+            <a:off x="457200" y="338328"/>
+            <a:ext cx="6867144" cy="369332"/>
+          </a:xfrm>
+          <a:prstGeom prst="rect">
+            <a:avLst/>
+          </a:prstGeom>
+          <a:noFill/>
+        </p:spPr>
+        <p:txBody>
+          <a:bodyPr wrap="square" rtlCol="0">
+            <a:spAutoFit/>
+          </a:bodyPr>
+          <a:lstStyle/>
+          <a:p>
+            <a:r>
+              <a:rPr lang="en-US" dirty="0"/>
+              <a:t>MAS</a:t>
+            </a:r>
+          </a:p>
+        </p:txBody>
+      </p:sp>
+      <p:pic>
+        <p:nvPicPr>
+          <p:cNvPr id="10" name="Picture 9">
+            <a:extLst>
+              <a:ext uri="{FF2B5EF4-FFF2-40B4-BE49-F238E27FC236}">
+                <a16:creationId xmlns:a16="http://schemas.microsoft.com/office/drawing/2014/main" id="{517864A1-D7F2-AE60-82D8-147CB8836A0D}"/>
+              </a:ext>
+            </a:extLst>
+          </p:cNvPr>
+          <p:cNvPicPr>
+            <a:picLocks noChangeAspect="1"/>
+          </p:cNvPicPr>
+          <p:nvPr/>
+        </p:nvPicPr>
+        <p:blipFill>
+          <a:blip r:embed="rId2"/>
+          <a:stretch>
+            <a:fillRect/>
+          </a:stretch>
+        </p:blipFill>
+        <p:spPr>
+          <a:xfrm>
+            <a:off x="128016" y="906260"/>
+            <a:ext cx="12192000" cy="1589048"/>
+          </a:xfrm>
+          <a:prstGeom prst="rect">
+            <a:avLst/>
+          </a:prstGeom>
+        </p:spPr>
+      </p:pic>
+      <p:sp>
+        <p:nvSpPr>
+          <p:cNvPr id="12" name="TextBox 11">
+            <a:extLst>
+              <a:ext uri="{FF2B5EF4-FFF2-40B4-BE49-F238E27FC236}">
+                <a16:creationId xmlns:a16="http://schemas.microsoft.com/office/drawing/2014/main" id="{7BB5B909-D195-F758-5748-17F8F2FA0BF3}"/>
+              </a:ext>
+            </a:extLst>
+          </p:cNvPr>
+          <p:cNvSpPr txBox="1"/>
+          <p:nvPr/>
+        </p:nvSpPr>
+        <p:spPr>
+          <a:xfrm>
+            <a:off x="6224016" y="6204450"/>
+            <a:ext cx="6157912" cy="923330"/>
+          </a:xfrm>
+          <a:prstGeom prst="rect">
+            <a:avLst/>
+          </a:prstGeom>
+          <a:noFill/>
+        </p:spPr>
+        <p:txBody>
+          <a:bodyPr wrap="square">
+            <a:spAutoFit/>
+          </a:bodyPr>
+          <a:lstStyle/>
+          <a:p>
+            <a:r>
+              <a:rPr lang="en-US" dirty="0"/>
+              <a:t>https://aperc.sharepoint.com/:w:/s/Outlook-9th/ET_-Hl2Z3h1Hro0d5CmSZ1wByz_3GMSX2VQfJfvdNQzWWg?e=fVrgeg</a:t>
+            </a:r>
+          </a:p>
+        </p:txBody>
+      </p:sp>
+      <p:pic>
+        <p:nvPicPr>
+          <p:cNvPr id="14" name="Picture 13">
+            <a:extLst>
+              <a:ext uri="{FF2B5EF4-FFF2-40B4-BE49-F238E27FC236}">
+                <a16:creationId xmlns:a16="http://schemas.microsoft.com/office/drawing/2014/main" id="{4E22F569-05D3-FDAF-A3CA-06F66B297AD4}"/>
               </a:ext>
             </a:extLst>
           </p:cNvPr>
@@ -5224,8 +6837,583 @@
         </p:blipFill>
         <p:spPr>
           <a:xfrm>
-            <a:off x="123264" y="547308"/>
-            <a:ext cx="8040222" cy="5439534"/>
+            <a:off x="4525137" y="2954830"/>
+            <a:ext cx="7666863" cy="3117581"/>
+          </a:xfrm>
+          <a:prstGeom prst="rect">
+            <a:avLst/>
+          </a:prstGeom>
+        </p:spPr>
+      </p:pic>
+      <p:sp>
+        <p:nvSpPr>
+          <p:cNvPr id="16" name="TextBox 15">
+            <a:extLst>
+              <a:ext uri="{FF2B5EF4-FFF2-40B4-BE49-F238E27FC236}">
+                <a16:creationId xmlns:a16="http://schemas.microsoft.com/office/drawing/2014/main" id="{3CC1F004-C670-336E-0F77-E11F1B2B8D07}"/>
+              </a:ext>
+            </a:extLst>
+          </p:cNvPr>
+          <p:cNvSpPr txBox="1"/>
+          <p:nvPr/>
+        </p:nvSpPr>
+        <p:spPr>
+          <a:xfrm>
+            <a:off x="3726561" y="761899"/>
+            <a:ext cx="6191250" cy="369332"/>
+          </a:xfrm>
+          <a:prstGeom prst="rect">
+            <a:avLst/>
+          </a:prstGeom>
+          <a:noFill/>
+        </p:spPr>
+        <p:txBody>
+          <a:bodyPr wrap="square">
+            <a:spAutoFit/>
+          </a:bodyPr>
+          <a:lstStyle/>
+          <a:p>
+            <a:r>
+              <a:rPr lang="en-US" dirty="0">
+                <a:hlinkClick r:id="rId4"/>
+              </a:rPr>
+              <a:t>Key Assumptions MAS.pptx</a:t>
+            </a:r>
+            <a:endParaRPr lang="en-US" dirty="0"/>
+          </a:p>
+        </p:txBody>
+      </p:sp>
+      <p:pic>
+        <p:nvPicPr>
+          <p:cNvPr id="18" name="Picture 17">
+            <a:extLst>
+              <a:ext uri="{FF2B5EF4-FFF2-40B4-BE49-F238E27FC236}">
+                <a16:creationId xmlns:a16="http://schemas.microsoft.com/office/drawing/2014/main" id="{DEE0B119-5D41-F857-0257-E98844ED913F}"/>
+              </a:ext>
+            </a:extLst>
+          </p:cNvPr>
+          <p:cNvPicPr>
+            <a:picLocks noChangeAspect="1"/>
+          </p:cNvPicPr>
+          <p:nvPr/>
+        </p:nvPicPr>
+        <p:blipFill>
+          <a:blip r:embed="rId5"/>
+          <a:stretch>
+            <a:fillRect/>
+          </a:stretch>
+        </p:blipFill>
+        <p:spPr>
+          <a:xfrm>
+            <a:off x="-2590821" y="2812060"/>
+            <a:ext cx="6481593" cy="3854055"/>
+          </a:xfrm>
+          <a:prstGeom prst="rect">
+            <a:avLst/>
+          </a:prstGeom>
+        </p:spPr>
+      </p:pic>
+      <p:sp>
+        <p:nvSpPr>
+          <p:cNvPr id="19" name="TextBox 18">
+            <a:extLst>
+              <a:ext uri="{FF2B5EF4-FFF2-40B4-BE49-F238E27FC236}">
+                <a16:creationId xmlns:a16="http://schemas.microsoft.com/office/drawing/2014/main" id="{83B74D8E-87FA-82A3-3001-2727E44FB43E}"/>
+              </a:ext>
+            </a:extLst>
+          </p:cNvPr>
+          <p:cNvSpPr txBox="1"/>
+          <p:nvPr/>
+        </p:nvSpPr>
+        <p:spPr>
+          <a:xfrm>
+            <a:off x="1685010" y="162806"/>
+            <a:ext cx="9078012" cy="369332"/>
+          </a:xfrm>
+          <a:prstGeom prst="rect">
+            <a:avLst/>
+          </a:prstGeom>
+          <a:noFill/>
+        </p:spPr>
+        <p:txBody>
+          <a:bodyPr wrap="square" rtlCol="0">
+            <a:spAutoFit/>
+          </a:bodyPr>
+          <a:lstStyle/>
+          <a:p>
+            <a:r>
+              <a:rPr lang="en-US" i="1" dirty="0"/>
+              <a:t>All of these differ from each other. I decided to go with the 5000mw by 2035 one for now</a:t>
+            </a:r>
+          </a:p>
+        </p:txBody>
+      </p:sp>
+      <p:sp>
+        <p:nvSpPr>
+          <p:cNvPr id="20" name="Rectangle 19">
+            <a:extLst>
+              <a:ext uri="{FF2B5EF4-FFF2-40B4-BE49-F238E27FC236}">
+                <a16:creationId xmlns:a16="http://schemas.microsoft.com/office/drawing/2014/main" id="{6E8808F0-CDC2-CCA0-3DED-B71A35BF320D}"/>
+              </a:ext>
+            </a:extLst>
+          </p:cNvPr>
+          <p:cNvSpPr>
+            <a:spLocks noChangeArrowheads="1"/>
+          </p:cNvSpPr>
+          <p:nvPr/>
+        </p:nvSpPr>
+        <p:spPr bwMode="auto">
+          <a:xfrm>
+            <a:off x="-2369439" y="6551629"/>
+            <a:ext cx="12192000" cy="0"/>
+          </a:xfrm>
+          <a:prstGeom prst="rect">
+            <a:avLst/>
+          </a:prstGeom>
+          <a:noFill/>
+          <a:ln>
+            <a:noFill/>
+          </a:ln>
+          <a:effectLst/>
+          <a:extLst>
+            <a:ext uri="{909E8E84-426E-40DD-AFC4-6F175D3DCCD1}">
+              <a14:hiddenFill xmlns:a14="http://schemas.microsoft.com/office/drawing/2010/main">
+                <a:solidFill>
+                  <a:schemeClr val="accent1"/>
+                </a:solidFill>
+              </a14:hiddenFill>
+            </a:ext>
+            <a:ext uri="{91240B29-F687-4F45-9708-019B960494DF}">
+              <a14:hiddenLine xmlns:a14="http://schemas.microsoft.com/office/drawing/2010/main" w="9525">
+                <a:solidFill>
+                  <a:schemeClr val="tx1"/>
+                </a:solidFill>
+                <a:miter lim="800000"/>
+                <a:headEnd/>
+                <a:tailEnd/>
+              </a14:hiddenLine>
+            </a:ext>
+            <a:ext uri="{AF507438-7753-43E0-B8FC-AC1667EBCBE1}">
+              <a14:hiddenEffects xmlns:a14="http://schemas.microsoft.com/office/drawing/2010/main">
+                <a:effectLst>
+                  <a:outerShdw dist="35921" dir="2700000" algn="ctr" rotWithShape="0">
+                    <a:schemeClr val="bg2"/>
+                  </a:outerShdw>
+                </a:effectLst>
+              </a14:hiddenEffects>
+            </a:ext>
+          </a:extLst>
+        </p:spPr>
+        <p:txBody>
+          <a:bodyPr vert="horz" wrap="square" lIns="91440" tIns="45720" rIns="91440" bIns="45720" numCol="1" anchor="ctr" anchorCtr="0" compatLnSpc="1">
+            <a:prstTxWarp prst="textNoShape">
+              <a:avLst/>
+            </a:prstTxWarp>
+            <a:spAutoFit/>
+          </a:bodyPr>
+          <a:lstStyle/>
+          <a:p>
+            <a:pPr marL="0" marR="0" lvl="0" indent="0" algn="l" defTabSz="914400" rtl="0" eaLnBrk="0" fontAlgn="base" latinLnBrk="0" hangingPunct="0">
+              <a:lnSpc>
+                <a:spcPct val="100000"/>
+              </a:lnSpc>
+              <a:spcBef>
+                <a:spcPct val="0"/>
+              </a:spcBef>
+              <a:spcAft>
+                <a:spcPct val="0"/>
+              </a:spcAft>
+              <a:buClrTx/>
+              <a:buSzTx/>
+              <a:buFontTx/>
+              <a:buNone/>
+              <a:tabLst/>
+            </a:pPr>
+            <a:r>
+              <a:rPr kumimoji="0" lang="en-US" altLang="en-US" sz="1800" b="0" i="0" u="none" strike="noStrike" cap="none" normalizeH="0" baseline="0">
+                <a:ln>
+                  <a:noFill/>
+                </a:ln>
+                <a:solidFill>
+                  <a:schemeClr val="tx1"/>
+                </a:solidFill>
+                <a:effectLst/>
+                <a:latin typeface="Arial" panose="020B0604020202020204" pitchFamily="34" charset="0"/>
+                <a:hlinkClick r:id="rId6"/>
+              </a:rPr>
+              <a:t>TNB_Sourcing_the_Power_Required_for_GenAi 1.pdf</a:t>
+            </a:r>
+            <a:endParaRPr kumimoji="0" lang="en-US" altLang="en-US" sz="1800" b="0" i="0" u="none" strike="noStrike" cap="none" normalizeH="0" baseline="0">
+              <a:ln>
+                <a:noFill/>
+              </a:ln>
+              <a:solidFill>
+                <a:schemeClr val="tx1"/>
+              </a:solidFill>
+              <a:effectLst/>
+              <a:latin typeface="Arial" panose="020B0604020202020204" pitchFamily="34" charset="0"/>
+            </a:endParaRPr>
+          </a:p>
+        </p:txBody>
+      </p:sp>
+    </p:spTree>
+    <p:extLst>
+      <p:ext uri="{BB962C8B-B14F-4D97-AF65-F5344CB8AC3E}">
+        <p14:creationId xmlns:p14="http://schemas.microsoft.com/office/powerpoint/2010/main" val="2847781679"/>
+      </p:ext>
+    </p:extLst>
+  </p:cSld>
+  <p:clrMapOvr>
+    <a:masterClrMapping/>
+  </p:clrMapOvr>
+</p:sld>
+</file>
+
+<file path=ppt/slides/slide25.xml><?xml version="1.0" encoding="utf-8"?>
+<p:sld xmlns:a="http://schemas.openxmlformats.org/drawingml/2006/main" xmlns:r="http://schemas.openxmlformats.org/officeDocument/2006/relationships" xmlns:p="http://schemas.openxmlformats.org/presentationml/2006/main">
+  <p:cSld>
+    <p:spTree>
+      <p:nvGrpSpPr>
+        <p:cNvPr id="1" name=""/>
+        <p:cNvGrpSpPr/>
+        <p:nvPr/>
+      </p:nvGrpSpPr>
+      <p:grpSpPr>
+        <a:xfrm>
+          <a:off x="0" y="0"/>
+          <a:ext cx="0" cy="0"/>
+          <a:chOff x="0" y="0"/>
+          <a:chExt cx="0" cy="0"/>
+        </a:xfrm>
+      </p:grpSpPr>
+      <p:sp>
+        <p:nvSpPr>
+          <p:cNvPr id="2" name="Title 1">
+            <a:extLst>
+              <a:ext uri="{FF2B5EF4-FFF2-40B4-BE49-F238E27FC236}">
+                <a16:creationId xmlns:a16="http://schemas.microsoft.com/office/drawing/2014/main" id="{33E32330-763E-F23B-4DEB-CB1A9407E498}"/>
+              </a:ext>
+            </a:extLst>
+          </p:cNvPr>
+          <p:cNvSpPr>
+            <a:spLocks noGrp="1"/>
+          </p:cNvSpPr>
+          <p:nvPr>
+            <p:ph type="title"/>
+          </p:nvPr>
+        </p:nvSpPr>
+        <p:spPr>
+          <a:xfrm>
+            <a:off x="838200" y="508571"/>
+            <a:ext cx="10515600" cy="1325563"/>
+          </a:xfrm>
+        </p:spPr>
+        <p:txBody>
+          <a:bodyPr/>
+          <a:lstStyle/>
+          <a:p>
+            <a:r>
+              <a:rPr lang="en-US" dirty="0"/>
+              <a:t>CT</a:t>
+            </a:r>
+          </a:p>
+        </p:txBody>
+      </p:sp>
+      <p:sp>
+        <p:nvSpPr>
+          <p:cNvPr id="3" name="Content Placeholder 2">
+            <a:extLst>
+              <a:ext uri="{FF2B5EF4-FFF2-40B4-BE49-F238E27FC236}">
+                <a16:creationId xmlns:a16="http://schemas.microsoft.com/office/drawing/2014/main" id="{64C528B4-59A0-95AA-B255-79C2DF25EA3F}"/>
+              </a:ext>
+            </a:extLst>
+          </p:cNvPr>
+          <p:cNvSpPr>
+            <a:spLocks noGrp="1"/>
+          </p:cNvSpPr>
+          <p:nvPr>
+            <p:ph idx="1"/>
+          </p:nvPr>
+        </p:nvSpPr>
+        <p:spPr/>
+        <p:txBody>
+          <a:bodyPr/>
+          <a:lstStyle/>
+          <a:p>
+            <a:r>
+              <a:rPr lang="en-US" dirty="0"/>
+              <a:t>All throughout here outlook 9th\Drafting\Volume 2\1. First Draft\18 CT\06_External review </a:t>
+            </a:r>
+          </a:p>
+          <a:p>
+            <a:r>
+              <a:rPr lang="en-US" dirty="0" err="1"/>
+              <a:t>Im</a:t>
+            </a:r>
+            <a:r>
+              <a:rPr lang="en-US" dirty="0"/>
+              <a:t> pretty sure the most data came from a </a:t>
+            </a:r>
+            <a:r>
+              <a:rPr lang="en-US" dirty="0" err="1"/>
+              <a:t>powerpoint</a:t>
+            </a:r>
+            <a:endParaRPr lang="en-US" dirty="0"/>
+          </a:p>
+        </p:txBody>
+      </p:sp>
+    </p:spTree>
+    <p:extLst>
+      <p:ext uri="{BB962C8B-B14F-4D97-AF65-F5344CB8AC3E}">
+        <p14:creationId xmlns:p14="http://schemas.microsoft.com/office/powerpoint/2010/main" val="213533975"/>
+      </p:ext>
+    </p:extLst>
+  </p:cSld>
+  <p:clrMapOvr>
+    <a:masterClrMapping/>
+  </p:clrMapOvr>
+</p:sld>
+</file>
+
+<file path=ppt/slides/slide26.xml><?xml version="1.0" encoding="utf-8"?>
+<p:sld xmlns:a="http://schemas.openxmlformats.org/drawingml/2006/main" xmlns:r="http://schemas.openxmlformats.org/officeDocument/2006/relationships" xmlns:p="http://schemas.openxmlformats.org/presentationml/2006/main">
+  <p:cSld>
+    <p:spTree>
+      <p:nvGrpSpPr>
+        <p:cNvPr id="1" name=""/>
+        <p:cNvGrpSpPr/>
+        <p:nvPr/>
+      </p:nvGrpSpPr>
+      <p:grpSpPr>
+        <a:xfrm>
+          <a:off x="0" y="0"/>
+          <a:ext cx="0" cy="0"/>
+          <a:chOff x="0" y="0"/>
+          <a:chExt cx="0" cy="0"/>
+        </a:xfrm>
+      </p:grpSpPr>
+      <p:sp>
+        <p:nvSpPr>
+          <p:cNvPr id="2" name="Title 1">
+            <a:extLst>
+              <a:ext uri="{FF2B5EF4-FFF2-40B4-BE49-F238E27FC236}">
+                <a16:creationId xmlns:a16="http://schemas.microsoft.com/office/drawing/2014/main" id="{469D5881-CE60-7B6C-DAB5-B3680624BB9B}"/>
+              </a:ext>
+            </a:extLst>
+          </p:cNvPr>
+          <p:cNvSpPr>
+            <a:spLocks noGrp="1"/>
+          </p:cNvSpPr>
+          <p:nvPr>
+            <p:ph type="title"/>
+          </p:nvPr>
+        </p:nvSpPr>
+        <p:spPr/>
+        <p:txBody>
+          <a:bodyPr/>
+          <a:lstStyle/>
+          <a:p>
+            <a:r>
+              <a:rPr lang="en-US" dirty="0" err="1"/>
+              <a:t>aus</a:t>
+            </a:r>
+            <a:endParaRPr lang="en-US" dirty="0"/>
+          </a:p>
+        </p:txBody>
+      </p:sp>
+      <p:sp>
+        <p:nvSpPr>
+          <p:cNvPr id="4" name="Rectangle 1">
+            <a:extLst>
+              <a:ext uri="{FF2B5EF4-FFF2-40B4-BE49-F238E27FC236}">
+                <a16:creationId xmlns:a16="http://schemas.microsoft.com/office/drawing/2014/main" id="{A04D74FB-A773-308F-A476-38152E1C5C30}"/>
+              </a:ext>
+            </a:extLst>
+          </p:cNvPr>
+          <p:cNvSpPr>
+            <a:spLocks noGrp="1" noChangeArrowheads="1"/>
+          </p:cNvSpPr>
+          <p:nvPr>
+            <p:ph idx="1"/>
+          </p:nvPr>
+        </p:nvSpPr>
+        <p:spPr bwMode="auto">
+          <a:xfrm>
+            <a:off x="838200" y="1506022"/>
+            <a:ext cx="10515600" cy="369332"/>
+          </a:xfrm>
+          <a:prstGeom prst="rect">
+            <a:avLst/>
+          </a:prstGeom>
+          <a:noFill/>
+          <a:ln>
+            <a:noFill/>
+          </a:ln>
+          <a:effectLst/>
+          <a:extLst>
+            <a:ext uri="{909E8E84-426E-40DD-AFC4-6F175D3DCCD1}">
+              <a14:hiddenFill xmlns:a14="http://schemas.microsoft.com/office/drawing/2010/main">
+                <a:solidFill>
+                  <a:schemeClr val="accent1"/>
+                </a:solidFill>
+              </a14:hiddenFill>
+            </a:ext>
+            <a:ext uri="{91240B29-F687-4F45-9708-019B960494DF}">
+              <a14:hiddenLine xmlns:a14="http://schemas.microsoft.com/office/drawing/2010/main" w="9525">
+                <a:solidFill>
+                  <a:schemeClr val="tx1"/>
+                </a:solidFill>
+                <a:miter lim="800000"/>
+                <a:headEnd/>
+                <a:tailEnd/>
+              </a14:hiddenLine>
+            </a:ext>
+            <a:ext uri="{AF507438-7753-43E0-B8FC-AC1667EBCBE1}">
+              <a14:hiddenEffects xmlns:a14="http://schemas.microsoft.com/office/drawing/2010/main">
+                <a:effectLst>
+                  <a:outerShdw dist="35921" dir="2700000" algn="ctr" rotWithShape="0">
+                    <a:schemeClr val="bg2"/>
+                  </a:outerShdw>
+                </a:effectLst>
+              </a14:hiddenEffects>
+            </a:ext>
+          </a:extLst>
+        </p:spPr>
+        <p:txBody>
+          <a:bodyPr vert="horz" wrap="square" lIns="91440" tIns="45720" rIns="91440" bIns="45720" numCol="1" anchor="ctr" anchorCtr="0" compatLnSpc="1">
+            <a:prstTxWarp prst="textNoShape">
+              <a:avLst/>
+            </a:prstTxWarp>
+            <a:spAutoFit/>
+          </a:bodyPr>
+          <a:lstStyle/>
+          <a:p>
+            <a:pPr marL="0" marR="0" lvl="0" indent="0" algn="l" defTabSz="914400" rtl="0" eaLnBrk="0" fontAlgn="base" latinLnBrk="0" hangingPunct="0">
+              <a:lnSpc>
+                <a:spcPct val="100000"/>
+              </a:lnSpc>
+              <a:spcBef>
+                <a:spcPct val="0"/>
+              </a:spcBef>
+              <a:spcAft>
+                <a:spcPct val="0"/>
+              </a:spcAft>
+              <a:buClrTx/>
+              <a:buSzTx/>
+              <a:buFontTx/>
+              <a:buNone/>
+              <a:tabLst/>
+            </a:pPr>
+            <a:r>
+              <a:rPr kumimoji="0" lang="en-US" altLang="en-US" sz="1800" b="0" i="0" u="none" strike="noStrike" cap="none" normalizeH="0" baseline="0" dirty="0">
+                <a:ln>
+                  <a:noFill/>
+                </a:ln>
+                <a:solidFill>
+                  <a:schemeClr val="tx1"/>
+                </a:solidFill>
+                <a:effectLst/>
+                <a:latin typeface="Arial" panose="020B0604020202020204" pitchFamily="34" charset="0"/>
+                <a:hlinkClick r:id="rId3"/>
+              </a:rPr>
+              <a:t>Data center demand - Australia.eml</a:t>
+            </a:r>
+            <a:r>
+              <a:rPr kumimoji="0" lang="en-US" altLang="en-US" sz="1800" b="0" i="0" u="none" strike="noStrike" cap="none" normalizeH="0" baseline="0" dirty="0">
+                <a:ln>
+                  <a:noFill/>
+                </a:ln>
+                <a:solidFill>
+                  <a:schemeClr val="tx1"/>
+                </a:solidFill>
+                <a:effectLst/>
+                <a:latin typeface="Arial" panose="020B0604020202020204" pitchFamily="34" charset="0"/>
+              </a:rPr>
+              <a:t> – email from </a:t>
+            </a:r>
+            <a:r>
+              <a:rPr kumimoji="0" lang="en-US" altLang="en-US" sz="1800" b="0" i="0" u="none" strike="noStrike" cap="none" normalizeH="0" baseline="0" dirty="0" err="1">
+                <a:ln>
+                  <a:noFill/>
+                </a:ln>
+                <a:solidFill>
+                  <a:schemeClr val="tx1"/>
+                </a:solidFill>
+                <a:effectLst/>
+                <a:latin typeface="Arial" panose="020B0604020202020204" pitchFamily="34" charset="0"/>
+              </a:rPr>
+              <a:t>daniel</a:t>
+            </a:r>
+            <a:r>
+              <a:rPr kumimoji="0" lang="en-US" altLang="en-US" sz="1800" b="0" i="0" u="none" strike="noStrike" cap="none" normalizeH="0" baseline="0" dirty="0">
+                <a:ln>
+                  <a:noFill/>
+                </a:ln>
+                <a:solidFill>
+                  <a:schemeClr val="tx1"/>
+                </a:solidFill>
+                <a:effectLst/>
+                <a:latin typeface="Arial" panose="020B0604020202020204" pitchFamily="34" charset="0"/>
+              </a:rPr>
+              <a:t> with lots of details.</a:t>
+            </a:r>
+          </a:p>
+        </p:txBody>
+      </p:sp>
+      <p:pic>
+        <p:nvPicPr>
+          <p:cNvPr id="8" name="Picture 7">
+            <a:extLst>
+              <a:ext uri="{FF2B5EF4-FFF2-40B4-BE49-F238E27FC236}">
+                <a16:creationId xmlns:a16="http://schemas.microsoft.com/office/drawing/2014/main" id="{3F430CDC-D1E9-FE23-9002-619B9DB11008}"/>
+              </a:ext>
+            </a:extLst>
+          </p:cNvPr>
+          <p:cNvPicPr>
+            <a:picLocks noChangeAspect="1"/>
+          </p:cNvPicPr>
+          <p:nvPr/>
+        </p:nvPicPr>
+        <p:blipFill>
+          <a:blip r:embed="rId4"/>
+          <a:stretch>
+            <a:fillRect/>
+          </a:stretch>
+        </p:blipFill>
+        <p:spPr>
+          <a:xfrm>
+            <a:off x="1381125" y="1875354"/>
+            <a:ext cx="9259668" cy="5030276"/>
+          </a:xfrm>
+          <a:prstGeom prst="rect">
+            <a:avLst/>
+          </a:prstGeom>
+        </p:spPr>
+      </p:pic>
+      <p:pic>
+        <p:nvPicPr>
+          <p:cNvPr id="5" name="Picture 4">
+            <a:extLst>
+              <a:ext uri="{FF2B5EF4-FFF2-40B4-BE49-F238E27FC236}">
+                <a16:creationId xmlns:a16="http://schemas.microsoft.com/office/drawing/2014/main" id="{E8ACD14A-626A-D832-28D0-D033FBFA6DE4}"/>
+              </a:ext>
+            </a:extLst>
+          </p:cNvPr>
+          <p:cNvPicPr>
+            <a:picLocks noChangeAspect="1"/>
+          </p:cNvPicPr>
+          <p:nvPr/>
+        </p:nvPicPr>
+        <p:blipFill>
+          <a:blip r:embed="rId5"/>
+          <a:stretch>
+            <a:fillRect/>
+          </a:stretch>
+        </p:blipFill>
+        <p:spPr>
+          <a:xfrm>
+            <a:off x="11265613" y="1432428"/>
+            <a:ext cx="5736152" cy="4982646"/>
           </a:xfrm>
           <a:prstGeom prst="rect">
             <a:avLst/>
@@ -5235,7 +7423,479 @@
     </p:spTree>
     <p:extLst>
       <p:ext uri="{BB962C8B-B14F-4D97-AF65-F5344CB8AC3E}">
-        <p14:creationId xmlns:p14="http://schemas.microsoft.com/office/powerpoint/2010/main" val="3081745089"/>
+        <p14:creationId xmlns:p14="http://schemas.microsoft.com/office/powerpoint/2010/main" val="1730982412"/>
+      </p:ext>
+    </p:extLst>
+  </p:cSld>
+  <p:clrMapOvr>
+    <a:masterClrMapping/>
+  </p:clrMapOvr>
+</p:sld>
+</file>
+
+<file path=ppt/slides/slide27.xml><?xml version="1.0" encoding="utf-8"?>
+<p:sld xmlns:a="http://schemas.openxmlformats.org/drawingml/2006/main" xmlns:r="http://schemas.openxmlformats.org/officeDocument/2006/relationships" xmlns:p="http://schemas.openxmlformats.org/presentationml/2006/main">
+  <p:cSld>
+    <p:spTree>
+      <p:nvGrpSpPr>
+        <p:cNvPr id="1" name=""/>
+        <p:cNvGrpSpPr/>
+        <p:nvPr/>
+      </p:nvGrpSpPr>
+      <p:grpSpPr>
+        <a:xfrm>
+          <a:off x="0" y="0"/>
+          <a:ext cx="0" cy="0"/>
+          <a:chOff x="0" y="0"/>
+          <a:chExt cx="0" cy="0"/>
+        </a:xfrm>
+      </p:grpSpPr>
+      <p:sp>
+        <p:nvSpPr>
+          <p:cNvPr id="2" name="Title 1">
+            <a:extLst>
+              <a:ext uri="{FF2B5EF4-FFF2-40B4-BE49-F238E27FC236}">
+                <a16:creationId xmlns:a16="http://schemas.microsoft.com/office/drawing/2014/main" id="{73F8FF50-E920-6615-453B-0D85BA8BA773}"/>
+              </a:ext>
+            </a:extLst>
+          </p:cNvPr>
+          <p:cNvSpPr>
+            <a:spLocks noGrp="1"/>
+          </p:cNvSpPr>
+          <p:nvPr>
+            <p:ph type="title"/>
+          </p:nvPr>
+        </p:nvSpPr>
+        <p:spPr/>
+        <p:txBody>
+          <a:bodyPr/>
+          <a:lstStyle/>
+          <a:p>
+            <a:r>
+              <a:rPr lang="en-US" dirty="0" err="1"/>
+              <a:t>ina</a:t>
+            </a:r>
+            <a:endParaRPr lang="en-US" dirty="0"/>
+          </a:p>
+        </p:txBody>
+      </p:sp>
+      <p:sp>
+        <p:nvSpPr>
+          <p:cNvPr id="3" name="Content Placeholder 2">
+            <a:extLst>
+              <a:ext uri="{FF2B5EF4-FFF2-40B4-BE49-F238E27FC236}">
+                <a16:creationId xmlns:a16="http://schemas.microsoft.com/office/drawing/2014/main" id="{245DF893-F961-56FC-5C61-3B88A81B346A}"/>
+              </a:ext>
+            </a:extLst>
+          </p:cNvPr>
+          <p:cNvSpPr>
+            <a:spLocks noGrp="1"/>
+          </p:cNvSpPr>
+          <p:nvPr>
+            <p:ph idx="1"/>
+          </p:nvPr>
+        </p:nvSpPr>
+        <p:spPr/>
+        <p:txBody>
+          <a:bodyPr>
+            <a:normAutofit fontScale="77500" lnSpcReduction="20000"/>
+          </a:bodyPr>
+          <a:lstStyle/>
+          <a:p>
+            <a:r>
+              <a:rPr lang="en-US" dirty="0"/>
+              <a:t>Current State 2024</a:t>
+            </a:r>
+          </a:p>
+          <a:p>
+            <a:pPr lvl="1"/>
+            <a:r>
+              <a:rPr lang="en-US" dirty="0"/>
+              <a:t>128 data center registered as PLN customer, with total capacity 948 MVA (~1 GW) </a:t>
+            </a:r>
+          </a:p>
+          <a:p>
+            <a:pPr lvl="1"/>
+            <a:r>
+              <a:rPr lang="en-US" dirty="0"/>
+              <a:t>Area of data center is Jakarta, Bekasi (West Java Province) and </a:t>
+            </a:r>
+            <a:r>
+              <a:rPr lang="en-US" dirty="0" err="1"/>
+              <a:t>Batam</a:t>
+            </a:r>
+            <a:r>
+              <a:rPr lang="en-US" dirty="0"/>
+              <a:t> (Riau Islands Province), Bali and Nusa Tenggara</a:t>
+            </a:r>
+          </a:p>
+          <a:p>
+            <a:r>
+              <a:rPr lang="en-US" dirty="0"/>
+              <a:t>Projection and Assumption</a:t>
+            </a:r>
+          </a:p>
+          <a:p>
+            <a:pPr lvl="1"/>
+            <a:r>
+              <a:rPr lang="en-US" dirty="0"/>
+              <a:t>Ministry of Communication and Informatics assumes growth rate 4.8% </a:t>
+            </a:r>
+            <a:r>
+              <a:rPr lang="en-US" dirty="0" err="1"/>
+              <a:t>p.a</a:t>
+            </a:r>
+            <a:r>
+              <a:rPr lang="en-US" dirty="0"/>
+              <a:t> from 2024 to 2032</a:t>
+            </a:r>
+            <a:endParaRPr lang="en-US" dirty="0">
+              <a:hlinkClick r:id="rId3"/>
+            </a:endParaRPr>
+          </a:p>
+          <a:p>
+            <a:pPr lvl="1"/>
+            <a:r>
+              <a:rPr lang="en-US" dirty="0"/>
+              <a:t>PLN Assumption, data center growth:</a:t>
+            </a:r>
+          </a:p>
+          <a:p>
+            <a:pPr lvl="2"/>
+            <a:r>
+              <a:rPr lang="en-US" dirty="0" err="1"/>
+              <a:t>Moderat</a:t>
+            </a:r>
+            <a:r>
+              <a:rPr lang="en-US" dirty="0"/>
+              <a:t> scenario 4 GW to 2032 (4000mw)</a:t>
+            </a:r>
+          </a:p>
+          <a:p>
+            <a:pPr lvl="2"/>
+            <a:r>
+              <a:rPr lang="en-US" dirty="0"/>
+              <a:t>Optimistic scenario 12 GW to 2032  (12,000mw)</a:t>
+            </a:r>
+          </a:p>
+          <a:p>
+            <a:pPr marL="0" indent="0">
+              <a:buNone/>
+            </a:pPr>
+            <a:endParaRPr lang="en-US" dirty="0">
+              <a:hlinkClick r:id="rId3"/>
+            </a:endParaRPr>
+          </a:p>
+          <a:p>
+            <a:pPr marL="0" indent="0">
+              <a:buNone/>
+            </a:pPr>
+            <a:r>
+              <a:rPr lang="en-US" sz="1900" dirty="0">
+                <a:hlinkClick r:id="rId3"/>
+              </a:rPr>
+              <a:t>REF: </a:t>
+            </a:r>
+          </a:p>
+          <a:p>
+            <a:pPr marL="0" indent="0">
+              <a:buNone/>
+            </a:pPr>
+            <a:r>
+              <a:rPr lang="en-US" sz="1900" dirty="0">
+                <a:hlinkClick r:id="rId3"/>
+              </a:rPr>
+              <a:t>https://web.pln.co.id/media/siaran-pers/2024/09/pln-siapkan-listrik-bersih-layani-pertumbuhan-industri-data-center-di-indonesia</a:t>
+            </a:r>
+            <a:r>
+              <a:rPr lang="en-US" sz="1900" dirty="0"/>
+              <a:t> </a:t>
+            </a:r>
+          </a:p>
+          <a:p>
+            <a:pPr marL="0" indent="0">
+              <a:buNone/>
+            </a:pPr>
+            <a:r>
+              <a:rPr lang="en-US" sz="1900" dirty="0">
+                <a:hlinkClick r:id="rId4"/>
+              </a:rPr>
+              <a:t>https://www.cnbcindonesia.com/tech/20240911105218-39-570932/video-menkominfo-bisnis-data-center-beri-ri-peluang-cuan-usd-337-m</a:t>
+            </a:r>
+            <a:r>
+              <a:rPr lang="en-US" sz="1900" dirty="0"/>
+              <a:t> </a:t>
+            </a:r>
+          </a:p>
+          <a:p>
+            <a:endParaRPr lang="en-US" dirty="0"/>
+          </a:p>
+        </p:txBody>
+      </p:sp>
+    </p:spTree>
+    <p:extLst>
+      <p:ext uri="{BB962C8B-B14F-4D97-AF65-F5344CB8AC3E}">
+        <p14:creationId xmlns:p14="http://schemas.microsoft.com/office/powerpoint/2010/main" val="945407135"/>
+      </p:ext>
+    </p:extLst>
+  </p:cSld>
+  <p:clrMapOvr>
+    <a:masterClrMapping/>
+  </p:clrMapOvr>
+  <p:extLst>
+    <p:ext uri="{6950BFC3-D8DA-4A85-94F7-54DA5524770B}">
+      <p188:commentRel xmlns:p188="http://schemas.microsoft.com/office/powerpoint/2018/8/main" r:id="rId2"/>
+    </p:ext>
+  </p:extLst>
+</p:sld>
+</file>
+
+<file path=ppt/slides/slide28.xml><?xml version="1.0" encoding="utf-8"?>
+<p:sld xmlns:a="http://schemas.openxmlformats.org/drawingml/2006/main" xmlns:r="http://schemas.openxmlformats.org/officeDocument/2006/relationships" xmlns:p="http://schemas.openxmlformats.org/presentationml/2006/main">
+  <p:cSld>
+    <p:spTree>
+      <p:nvGrpSpPr>
+        <p:cNvPr id="1" name=""/>
+        <p:cNvGrpSpPr/>
+        <p:nvPr/>
+      </p:nvGrpSpPr>
+      <p:grpSpPr>
+        <a:xfrm>
+          <a:off x="0" y="0"/>
+          <a:ext cx="0" cy="0"/>
+          <a:chOff x="0" y="0"/>
+          <a:chExt cx="0" cy="0"/>
+        </a:xfrm>
+      </p:grpSpPr>
+      <p:sp>
+        <p:nvSpPr>
+          <p:cNvPr id="2" name="Title 1">
+            <a:extLst>
+              <a:ext uri="{FF2B5EF4-FFF2-40B4-BE49-F238E27FC236}">
+                <a16:creationId xmlns:a16="http://schemas.microsoft.com/office/drawing/2014/main" id="{AE323F29-007B-27D4-FD73-02D794F2C88D}"/>
+              </a:ext>
+            </a:extLst>
+          </p:cNvPr>
+          <p:cNvSpPr>
+            <a:spLocks noGrp="1"/>
+          </p:cNvSpPr>
+          <p:nvPr>
+            <p:ph type="title"/>
+          </p:nvPr>
+        </p:nvSpPr>
+        <p:spPr/>
+        <p:txBody>
+          <a:bodyPr/>
+          <a:lstStyle/>
+          <a:p>
+            <a:r>
+              <a:rPr lang="en-US" dirty="0" err="1"/>
+              <a:t>cda</a:t>
+            </a:r>
+            <a:endParaRPr lang="en-US" dirty="0"/>
+          </a:p>
+        </p:txBody>
+      </p:sp>
+      <p:sp>
+        <p:nvSpPr>
+          <p:cNvPr id="3" name="Content Placeholder 2">
+            <a:extLst>
+              <a:ext uri="{FF2B5EF4-FFF2-40B4-BE49-F238E27FC236}">
+                <a16:creationId xmlns:a16="http://schemas.microsoft.com/office/drawing/2014/main" id="{B6503C7A-3DA1-2B16-2C38-5190E0625D48}"/>
+              </a:ext>
+            </a:extLst>
+          </p:cNvPr>
+          <p:cNvSpPr>
+            <a:spLocks noGrp="1"/>
+          </p:cNvSpPr>
+          <p:nvPr>
+            <p:ph idx="1"/>
+          </p:nvPr>
+        </p:nvSpPr>
+        <p:spPr/>
+        <p:txBody>
+          <a:bodyPr/>
+          <a:lstStyle/>
+          <a:p>
+            <a:endParaRPr lang="en-US"/>
+          </a:p>
+        </p:txBody>
+      </p:sp>
+    </p:spTree>
+    <p:extLst>
+      <p:ext uri="{BB962C8B-B14F-4D97-AF65-F5344CB8AC3E}">
+        <p14:creationId xmlns:p14="http://schemas.microsoft.com/office/powerpoint/2010/main" val="3957369442"/>
+      </p:ext>
+    </p:extLst>
+  </p:cSld>
+  <p:clrMapOvr>
+    <a:masterClrMapping/>
+  </p:clrMapOvr>
+</p:sld>
+</file>
+
+<file path=ppt/slides/slide29.xml><?xml version="1.0" encoding="utf-8"?>
+<p:sld xmlns:a="http://schemas.openxmlformats.org/drawingml/2006/main" xmlns:r="http://schemas.openxmlformats.org/officeDocument/2006/relationships" xmlns:p="http://schemas.openxmlformats.org/presentationml/2006/main">
+  <p:cSld>
+    <p:spTree>
+      <p:nvGrpSpPr>
+        <p:cNvPr id="1" name=""/>
+        <p:cNvGrpSpPr/>
+        <p:nvPr/>
+      </p:nvGrpSpPr>
+      <p:grpSpPr>
+        <a:xfrm>
+          <a:off x="0" y="0"/>
+          <a:ext cx="0" cy="0"/>
+          <a:chOff x="0" y="0"/>
+          <a:chExt cx="0" cy="0"/>
+        </a:xfrm>
+      </p:grpSpPr>
+      <p:sp>
+        <p:nvSpPr>
+          <p:cNvPr id="2" name="Title 1">
+            <a:extLst>
+              <a:ext uri="{FF2B5EF4-FFF2-40B4-BE49-F238E27FC236}">
+                <a16:creationId xmlns:a16="http://schemas.microsoft.com/office/drawing/2014/main" id="{FB5E2441-9890-7FC3-49AB-7D8A87B81003}"/>
+              </a:ext>
+            </a:extLst>
+          </p:cNvPr>
+          <p:cNvSpPr>
+            <a:spLocks noGrp="1"/>
+          </p:cNvSpPr>
+          <p:nvPr>
+            <p:ph type="title"/>
+          </p:nvPr>
+        </p:nvSpPr>
+        <p:spPr/>
+        <p:txBody>
+          <a:bodyPr/>
+          <a:lstStyle/>
+          <a:p>
+            <a:r>
+              <a:rPr lang="en-US" dirty="0"/>
+              <a:t>China </a:t>
+            </a:r>
+          </a:p>
+        </p:txBody>
+      </p:sp>
+      <p:sp>
+        <p:nvSpPr>
+          <p:cNvPr id="3" name="Content Placeholder 2">
+            <a:extLst>
+              <a:ext uri="{FF2B5EF4-FFF2-40B4-BE49-F238E27FC236}">
+                <a16:creationId xmlns:a16="http://schemas.microsoft.com/office/drawing/2014/main" id="{E51BAE7C-24C4-471B-240E-EE67CDF4B8FA}"/>
+              </a:ext>
+            </a:extLst>
+          </p:cNvPr>
+          <p:cNvSpPr>
+            <a:spLocks noGrp="1"/>
+          </p:cNvSpPr>
+          <p:nvPr>
+            <p:ph idx="1"/>
+          </p:nvPr>
+        </p:nvSpPr>
+        <p:spPr/>
+        <p:txBody>
+          <a:bodyPr/>
+          <a:lstStyle/>
+          <a:p>
+            <a:r>
+              <a:rPr lang="en-US" dirty="0">
+                <a:hlinkClick r:id="rId2"/>
+              </a:rPr>
+              <a:t>https://www.mordorintelligence.com/industry-reports/china-internet-data-center-market?utm_source=chatgpt.com</a:t>
+            </a:r>
+            <a:endParaRPr lang="en-US" dirty="0"/>
+          </a:p>
+          <a:p>
+            <a:endParaRPr lang="en-US" dirty="0"/>
+          </a:p>
+        </p:txBody>
+      </p:sp>
+      <p:pic>
+        <p:nvPicPr>
+          <p:cNvPr id="5" name="Picture 4">
+            <a:extLst>
+              <a:ext uri="{FF2B5EF4-FFF2-40B4-BE49-F238E27FC236}">
+                <a16:creationId xmlns:a16="http://schemas.microsoft.com/office/drawing/2014/main" id="{C7DE5DEF-F4A4-A098-BF66-16EF25FDEE0D}"/>
+              </a:ext>
+            </a:extLst>
+          </p:cNvPr>
+          <p:cNvPicPr>
+            <a:picLocks noChangeAspect="1"/>
+          </p:cNvPicPr>
+          <p:nvPr/>
+        </p:nvPicPr>
+        <p:blipFill>
+          <a:blip r:embed="rId3"/>
+          <a:stretch>
+            <a:fillRect/>
+          </a:stretch>
+        </p:blipFill>
+        <p:spPr>
+          <a:xfrm>
+            <a:off x="6262190" y="2957608"/>
+            <a:ext cx="5091610" cy="3738832"/>
+          </a:xfrm>
+          <a:prstGeom prst="rect">
+            <a:avLst/>
+          </a:prstGeom>
+        </p:spPr>
+      </p:pic>
+      <p:sp>
+        <p:nvSpPr>
+          <p:cNvPr id="6" name="TextBox 5">
+            <a:extLst>
+              <a:ext uri="{FF2B5EF4-FFF2-40B4-BE49-F238E27FC236}">
+                <a16:creationId xmlns:a16="http://schemas.microsoft.com/office/drawing/2014/main" id="{97EA127F-4F83-91C5-8C35-C9D92B1AC4D3}"/>
+              </a:ext>
+            </a:extLst>
+          </p:cNvPr>
+          <p:cNvSpPr txBox="1"/>
+          <p:nvPr/>
+        </p:nvSpPr>
+        <p:spPr>
+          <a:xfrm>
+            <a:off x="1285875" y="3648075"/>
+            <a:ext cx="3486150" cy="923330"/>
+          </a:xfrm>
+          <a:prstGeom prst="rect">
+            <a:avLst/>
+          </a:prstGeom>
+          <a:noFill/>
+        </p:spPr>
+        <p:txBody>
+          <a:bodyPr wrap="square" rtlCol="0">
+            <a:spAutoFit/>
+          </a:bodyPr>
+          <a:lstStyle/>
+          <a:p>
+            <a:r>
+              <a:rPr lang="en-US" dirty="0"/>
+              <a:t>It actually not much?</a:t>
+            </a:r>
+          </a:p>
+          <a:p>
+            <a:r>
+              <a:rPr lang="en-US" dirty="0"/>
+              <a:t>2.32* 0.031536 = 0.073pj&lt; don’t think their estimate is correct </a:t>
+            </a:r>
+            <a:r>
+              <a:rPr lang="en-US" dirty="0" err="1"/>
+              <a:t>tbh</a:t>
+            </a:r>
+            <a:r>
+              <a:rPr lang="en-US" dirty="0"/>
+              <a:t> </a:t>
+            </a:r>
+          </a:p>
+        </p:txBody>
+      </p:sp>
+    </p:spTree>
+    <p:extLst>
+      <p:ext uri="{BB962C8B-B14F-4D97-AF65-F5344CB8AC3E}">
+        <p14:creationId xmlns:p14="http://schemas.microsoft.com/office/powerpoint/2010/main" val="3350878286"/>
       </p:ext>
     </p:extLst>
   </p:cSld>
@@ -5414,7 +8074,7 @@
         </p:blipFill>
         <p:spPr>
           <a:xfrm>
-            <a:off x="652118" y="4936397"/>
+            <a:off x="596617" y="5265581"/>
             <a:ext cx="5499383" cy="4769095"/>
           </a:xfrm>
           <a:prstGeom prst="rect">
@@ -5426,6 +8086,519 @@
     <p:extLst>
       <p:ext uri="{BB962C8B-B14F-4D97-AF65-F5344CB8AC3E}">
         <p14:creationId xmlns:p14="http://schemas.microsoft.com/office/powerpoint/2010/main" val="576224630"/>
+      </p:ext>
+    </p:extLst>
+  </p:cSld>
+  <p:clrMapOvr>
+    <a:masterClrMapping/>
+  </p:clrMapOvr>
+</p:sld>
+</file>
+
+<file path=ppt/slides/slide30.xml><?xml version="1.0" encoding="utf-8"?>
+<p:sld xmlns:a="http://schemas.openxmlformats.org/drawingml/2006/main" xmlns:r="http://schemas.openxmlformats.org/officeDocument/2006/relationships" xmlns:p="http://schemas.openxmlformats.org/presentationml/2006/main">
+  <p:cSld>
+    <p:spTree>
+      <p:nvGrpSpPr>
+        <p:cNvPr id="1" name=""/>
+        <p:cNvGrpSpPr/>
+        <p:nvPr/>
+      </p:nvGrpSpPr>
+      <p:grpSpPr>
+        <a:xfrm>
+          <a:off x="0" y="0"/>
+          <a:ext cx="0" cy="0"/>
+          <a:chOff x="0" y="0"/>
+          <a:chExt cx="0" cy="0"/>
+        </a:xfrm>
+      </p:grpSpPr>
+      <p:sp>
+        <p:nvSpPr>
+          <p:cNvPr id="2" name="Title 1">
+            <a:extLst>
+              <a:ext uri="{FF2B5EF4-FFF2-40B4-BE49-F238E27FC236}">
+                <a16:creationId xmlns:a16="http://schemas.microsoft.com/office/drawing/2014/main" id="{2F355A75-9F97-8DC6-0F12-9E24EF6D7CF4}"/>
+              </a:ext>
+            </a:extLst>
+          </p:cNvPr>
+          <p:cNvSpPr>
+            <a:spLocks noGrp="1"/>
+          </p:cNvSpPr>
+          <p:nvPr>
+            <p:ph type="title"/>
+          </p:nvPr>
+        </p:nvSpPr>
+        <p:spPr/>
+        <p:txBody>
+          <a:bodyPr/>
+          <a:lstStyle/>
+          <a:p>
+            <a:r>
+              <a:rPr lang="en-US" dirty="0"/>
+              <a:t>Singapore	</a:t>
+            </a:r>
+          </a:p>
+        </p:txBody>
+      </p:sp>
+      <p:sp>
+        <p:nvSpPr>
+          <p:cNvPr id="3" name="Content Placeholder 2">
+            <a:extLst>
+              <a:ext uri="{FF2B5EF4-FFF2-40B4-BE49-F238E27FC236}">
+                <a16:creationId xmlns:a16="http://schemas.microsoft.com/office/drawing/2014/main" id="{7ECA75AA-B7B5-E2F1-C178-E01D1436832A}"/>
+              </a:ext>
+            </a:extLst>
+          </p:cNvPr>
+          <p:cNvSpPr>
+            <a:spLocks noGrp="1"/>
+          </p:cNvSpPr>
+          <p:nvPr>
+            <p:ph idx="1"/>
+          </p:nvPr>
+        </p:nvSpPr>
+        <p:spPr/>
+        <p:txBody>
+          <a:bodyPr/>
+          <a:lstStyle/>
+          <a:p>
+            <a:r>
+              <a:rPr lang="en-US" dirty="0"/>
+              <a:t>In Singapore, data </a:t>
+            </a:r>
+            <a:r>
+              <a:rPr lang="en-US" dirty="0" err="1"/>
+              <a:t>centres</a:t>
+            </a:r>
+            <a:r>
+              <a:rPr lang="en-US" dirty="0"/>
+              <a:t> accounted for around 7% of national electricity use in 2020 - </a:t>
+            </a:r>
+            <a:r>
+              <a:rPr lang="en-US" dirty="0">
+                <a:hlinkClick r:id="rId2"/>
+              </a:rPr>
+              <a:t>https://iea.blob.core.windows.net/assets/234d0d22-6f5b-4dc4-9f08-2485f0c5ec24/ElectricityMid-YearUpdate_July2024.pdf</a:t>
+            </a:r>
+            <a:endParaRPr lang="en-US" dirty="0"/>
+          </a:p>
+          <a:p>
+            <a:endParaRPr lang="en-US" dirty="0"/>
+          </a:p>
+        </p:txBody>
+      </p:sp>
+    </p:spTree>
+    <p:extLst>
+      <p:ext uri="{BB962C8B-B14F-4D97-AF65-F5344CB8AC3E}">
+        <p14:creationId xmlns:p14="http://schemas.microsoft.com/office/powerpoint/2010/main" val="732860291"/>
+      </p:ext>
+    </p:extLst>
+  </p:cSld>
+  <p:clrMapOvr>
+    <a:masterClrMapping/>
+  </p:clrMapOvr>
+</p:sld>
+</file>
+
+<file path=ppt/slides/slide31.xml><?xml version="1.0" encoding="utf-8"?>
+<p:sld xmlns:a="http://schemas.openxmlformats.org/drawingml/2006/main" xmlns:r="http://schemas.openxmlformats.org/officeDocument/2006/relationships" xmlns:p="http://schemas.openxmlformats.org/presentationml/2006/main">
+  <p:cSld>
+    <p:spTree>
+      <p:nvGrpSpPr>
+        <p:cNvPr id="1" name=""/>
+        <p:cNvGrpSpPr/>
+        <p:nvPr/>
+      </p:nvGrpSpPr>
+      <p:grpSpPr>
+        <a:xfrm>
+          <a:off x="0" y="0"/>
+          <a:ext cx="0" cy="0"/>
+          <a:chOff x="0" y="0"/>
+          <a:chExt cx="0" cy="0"/>
+        </a:xfrm>
+      </p:grpSpPr>
+      <p:sp>
+        <p:nvSpPr>
+          <p:cNvPr id="2" name="Title 1">
+            <a:extLst>
+              <a:ext uri="{FF2B5EF4-FFF2-40B4-BE49-F238E27FC236}">
+                <a16:creationId xmlns:a16="http://schemas.microsoft.com/office/drawing/2014/main" id="{AC70E7BA-CCEC-4607-FD69-8F8A94F1B0C2}"/>
+              </a:ext>
+            </a:extLst>
+          </p:cNvPr>
+          <p:cNvSpPr>
+            <a:spLocks noGrp="1"/>
+          </p:cNvSpPr>
+          <p:nvPr>
+            <p:ph type="title"/>
+          </p:nvPr>
+        </p:nvSpPr>
+        <p:spPr/>
+        <p:txBody>
+          <a:bodyPr/>
+          <a:lstStyle/>
+          <a:p>
+            <a:r>
+              <a:rPr lang="en-US" dirty="0"/>
+              <a:t>sea</a:t>
+            </a:r>
+          </a:p>
+        </p:txBody>
+      </p:sp>
+      <p:sp>
+        <p:nvSpPr>
+          <p:cNvPr id="3" name="Content Placeholder 2">
+            <a:extLst>
+              <a:ext uri="{FF2B5EF4-FFF2-40B4-BE49-F238E27FC236}">
+                <a16:creationId xmlns:a16="http://schemas.microsoft.com/office/drawing/2014/main" id="{A36AE026-2D90-32D0-59AC-28EF15F7D5E1}"/>
+              </a:ext>
+            </a:extLst>
+          </p:cNvPr>
+          <p:cNvSpPr>
+            <a:spLocks noGrp="1"/>
+          </p:cNvSpPr>
+          <p:nvPr>
+            <p:ph idx="1"/>
+          </p:nvPr>
+        </p:nvSpPr>
+        <p:spPr/>
+        <p:txBody>
+          <a:bodyPr/>
+          <a:lstStyle/>
+          <a:p>
+            <a:r>
+              <a:rPr lang="en-US" dirty="0"/>
+              <a:t>From this extracted: ~1200mw for Thailand by 2035</a:t>
+            </a:r>
+          </a:p>
+          <a:p>
+            <a:r>
+              <a:rPr lang="en-US" dirty="0"/>
+              <a:t>~1500 for sg</a:t>
+            </a:r>
+          </a:p>
+          <a:p>
+            <a:r>
+              <a:rPr lang="en-US" dirty="0"/>
+              <a:t>~1600 for </a:t>
+            </a:r>
+            <a:r>
+              <a:rPr lang="en-US" dirty="0" err="1"/>
+              <a:t>phl</a:t>
+            </a:r>
+            <a:endParaRPr lang="en-US" dirty="0"/>
+          </a:p>
+          <a:p>
+            <a:r>
+              <a:rPr lang="en-US" dirty="0"/>
+              <a:t>2200 for </a:t>
+            </a:r>
+            <a:r>
+              <a:rPr lang="en-US" dirty="0" err="1"/>
+              <a:t>ina</a:t>
+            </a:r>
+            <a:endParaRPr lang="en-US" dirty="0"/>
+          </a:p>
+          <a:p>
+            <a:r>
+              <a:rPr lang="en-US" dirty="0"/>
+              <a:t>11000 for mas</a:t>
+            </a:r>
+          </a:p>
+        </p:txBody>
+      </p:sp>
+      <p:pic>
+        <p:nvPicPr>
+          <p:cNvPr id="5" name="Picture 4">
+            <a:extLst>
+              <a:ext uri="{FF2B5EF4-FFF2-40B4-BE49-F238E27FC236}">
+                <a16:creationId xmlns:a16="http://schemas.microsoft.com/office/drawing/2014/main" id="{E51E505C-8F9C-9568-8C1F-68BA698634E6}"/>
+              </a:ext>
+            </a:extLst>
+          </p:cNvPr>
+          <p:cNvPicPr>
+            <a:picLocks noChangeAspect="1"/>
+          </p:cNvPicPr>
+          <p:nvPr/>
+        </p:nvPicPr>
+        <p:blipFill>
+          <a:blip r:embed="rId2"/>
+          <a:stretch>
+            <a:fillRect/>
+          </a:stretch>
+        </p:blipFill>
+        <p:spPr>
+          <a:xfrm>
+            <a:off x="6096000" y="2339975"/>
+            <a:ext cx="7259063" cy="4991797"/>
+          </a:xfrm>
+          <a:prstGeom prst="rect">
+            <a:avLst/>
+          </a:prstGeom>
+        </p:spPr>
+      </p:pic>
+    </p:spTree>
+    <p:extLst>
+      <p:ext uri="{BB962C8B-B14F-4D97-AF65-F5344CB8AC3E}">
+        <p14:creationId xmlns:p14="http://schemas.microsoft.com/office/powerpoint/2010/main" val="644796338"/>
+      </p:ext>
+    </p:extLst>
+  </p:cSld>
+  <p:clrMapOvr>
+    <a:masterClrMapping/>
+  </p:clrMapOvr>
+</p:sld>
+</file>
+
+<file path=ppt/slides/slide32.xml><?xml version="1.0" encoding="utf-8"?>
+<p:sld xmlns:a="http://schemas.openxmlformats.org/drawingml/2006/main" xmlns:r="http://schemas.openxmlformats.org/officeDocument/2006/relationships" xmlns:p="http://schemas.openxmlformats.org/presentationml/2006/main">
+  <p:cSld>
+    <p:spTree>
+      <p:nvGrpSpPr>
+        <p:cNvPr id="1" name=""/>
+        <p:cNvGrpSpPr/>
+        <p:nvPr/>
+      </p:nvGrpSpPr>
+      <p:grpSpPr>
+        <a:xfrm>
+          <a:off x="0" y="0"/>
+          <a:ext cx="0" cy="0"/>
+          <a:chOff x="0" y="0"/>
+          <a:chExt cx="0" cy="0"/>
+        </a:xfrm>
+      </p:grpSpPr>
+      <p:sp>
+        <p:nvSpPr>
+          <p:cNvPr id="2" name="Title 1">
+            <a:extLst>
+              <a:ext uri="{FF2B5EF4-FFF2-40B4-BE49-F238E27FC236}">
+                <a16:creationId xmlns:a16="http://schemas.microsoft.com/office/drawing/2014/main" id="{FB97E3FD-F8F0-C723-A651-63964CE88720}"/>
+              </a:ext>
+            </a:extLst>
+          </p:cNvPr>
+          <p:cNvSpPr>
+            <a:spLocks noGrp="1"/>
+          </p:cNvSpPr>
+          <p:nvPr>
+            <p:ph type="title"/>
+          </p:nvPr>
+        </p:nvSpPr>
+        <p:spPr/>
+        <p:txBody>
+          <a:bodyPr/>
+          <a:lstStyle/>
+          <a:p>
+            <a:r>
+              <a:rPr lang="en-US" dirty="0" err="1"/>
+              <a:t>vietnam</a:t>
+            </a:r>
+            <a:endParaRPr lang="en-US" dirty="0"/>
+          </a:p>
+        </p:txBody>
+      </p:sp>
+      <p:sp>
+        <p:nvSpPr>
+          <p:cNvPr id="3" name="Content Placeholder 2">
+            <a:extLst>
+              <a:ext uri="{FF2B5EF4-FFF2-40B4-BE49-F238E27FC236}">
+                <a16:creationId xmlns:a16="http://schemas.microsoft.com/office/drawing/2014/main" id="{F0DDF2D9-3AEE-58A3-5E8B-0886F5CC099B}"/>
+              </a:ext>
+            </a:extLst>
+          </p:cNvPr>
+          <p:cNvSpPr>
+            <a:spLocks noGrp="1"/>
+          </p:cNvSpPr>
+          <p:nvPr>
+            <p:ph idx="1"/>
+          </p:nvPr>
+        </p:nvSpPr>
+        <p:spPr>
+          <a:xfrm>
+            <a:off x="-67056" y="1880489"/>
+            <a:ext cx="6594257" cy="4351338"/>
+          </a:xfrm>
+        </p:spPr>
+        <p:txBody>
+          <a:bodyPr/>
+          <a:lstStyle/>
+          <a:p>
+            <a:r>
+              <a:rPr lang="en-US" dirty="0"/>
+              <a:t>45 *0.031536  = 1.419pj preexisting capacity</a:t>
+            </a:r>
+          </a:p>
+        </p:txBody>
+      </p:sp>
+      <p:pic>
+        <p:nvPicPr>
+          <p:cNvPr id="5" name="Picture 4">
+            <a:extLst>
+              <a:ext uri="{FF2B5EF4-FFF2-40B4-BE49-F238E27FC236}">
+                <a16:creationId xmlns:a16="http://schemas.microsoft.com/office/drawing/2014/main" id="{651E120D-B4B2-9F67-D9C2-70A174FFC69F}"/>
+              </a:ext>
+            </a:extLst>
+          </p:cNvPr>
+          <p:cNvPicPr>
+            <a:picLocks noChangeAspect="1"/>
+          </p:cNvPicPr>
+          <p:nvPr/>
+        </p:nvPicPr>
+        <p:blipFill>
+          <a:blip r:embed="rId2"/>
+          <a:stretch>
+            <a:fillRect/>
+          </a:stretch>
+        </p:blipFill>
+        <p:spPr>
+          <a:xfrm>
+            <a:off x="6527201" y="0"/>
+            <a:ext cx="5739565" cy="6858000"/>
+          </a:xfrm>
+          <a:prstGeom prst="rect">
+            <a:avLst/>
+          </a:prstGeom>
+        </p:spPr>
+      </p:pic>
+      <p:sp>
+        <p:nvSpPr>
+          <p:cNvPr id="7" name="TextBox 6">
+            <a:extLst>
+              <a:ext uri="{FF2B5EF4-FFF2-40B4-BE49-F238E27FC236}">
+                <a16:creationId xmlns:a16="http://schemas.microsoft.com/office/drawing/2014/main" id="{AD073A31-590D-EDDC-1C4E-E2714F0B8ACA}"/>
+              </a:ext>
+            </a:extLst>
+          </p:cNvPr>
+          <p:cNvSpPr txBox="1"/>
+          <p:nvPr/>
+        </p:nvSpPr>
+        <p:spPr>
+          <a:xfrm>
+            <a:off x="553071" y="3285857"/>
+            <a:ext cx="2677001" cy="1200329"/>
+          </a:xfrm>
+          <a:prstGeom prst="rect">
+            <a:avLst/>
+          </a:prstGeom>
+          <a:noFill/>
+        </p:spPr>
+        <p:txBody>
+          <a:bodyPr wrap="square">
+            <a:spAutoFit/>
+          </a:bodyPr>
+          <a:lstStyle/>
+          <a:p>
+            <a:r>
+              <a:rPr lang="en-US" dirty="0"/>
+              <a:t>https://vneconomy.vn/trung-tam-du-lieu-duoc-thuc-day-boi-kinh-te-so-va-ha-tang-so.htm</a:t>
+            </a:r>
+          </a:p>
+        </p:txBody>
+      </p:sp>
+      <mc:AlternateContent xmlns:mc="http://schemas.openxmlformats.org/markup-compatibility/2006">
+        <mc:Choice xmlns:p14="http://schemas.microsoft.com/office/powerpoint/2010/main" Requires="p14">
+          <p:contentPart p14:bwMode="auto" r:id="rId3">
+            <p14:nvContentPartPr>
+              <p14:cNvPr id="8" name="Ink 7">
+                <a:extLst>
+                  <a:ext uri="{FF2B5EF4-FFF2-40B4-BE49-F238E27FC236}">
+                    <a16:creationId xmlns:a16="http://schemas.microsoft.com/office/drawing/2014/main" id="{7B55A454-804D-9624-0A52-95F63CF5B3CA}"/>
+                  </a:ext>
+                </a:extLst>
+              </p14:cNvPr>
+              <p14:cNvContentPartPr/>
+              <p14:nvPr/>
+            </p14:nvContentPartPr>
+            <p14:xfrm>
+              <a:off x="6827904" y="4150656"/>
+              <a:ext cx="1749240" cy="101160"/>
+            </p14:xfrm>
+          </p:contentPart>
+        </mc:Choice>
+        <mc:Fallback>
+          <p:pic>
+            <p:nvPicPr>
+              <p:cNvPr id="8" name="Ink 7">
+                <a:extLst>
+                  <a:ext uri="{FF2B5EF4-FFF2-40B4-BE49-F238E27FC236}">
+                    <a16:creationId xmlns:a16="http://schemas.microsoft.com/office/drawing/2014/main" id="{7B55A454-804D-9624-0A52-95F63CF5B3CA}"/>
+                  </a:ext>
+                </a:extLst>
+              </p:cNvPr>
+              <p:cNvPicPr/>
+              <p:nvPr/>
+            </p:nvPicPr>
+            <p:blipFill>
+              <a:blip r:embed="rId4"/>
+              <a:stretch>
+                <a:fillRect/>
+              </a:stretch>
+            </p:blipFill>
+            <p:spPr>
+              <a:xfrm>
+                <a:off x="6774264" y="4043016"/>
+                <a:ext cx="1856880" cy="316800"/>
+              </a:xfrm>
+              <a:prstGeom prst="rect">
+                <a:avLst/>
+              </a:prstGeom>
+            </p:spPr>
+          </p:pic>
+        </mc:Fallback>
+      </mc:AlternateContent>
+      <mc:AlternateContent xmlns:mc="http://schemas.openxmlformats.org/markup-compatibility/2006">
+        <mc:Choice xmlns:p14="http://schemas.microsoft.com/office/powerpoint/2010/main" Requires="p14">
+          <p:contentPart p14:bwMode="auto" r:id="rId5">
+            <p14:nvContentPartPr>
+              <p14:cNvPr id="9" name="Ink 8">
+                <a:extLst>
+                  <a:ext uri="{FF2B5EF4-FFF2-40B4-BE49-F238E27FC236}">
+                    <a16:creationId xmlns:a16="http://schemas.microsoft.com/office/drawing/2014/main" id="{E9F72555-8F08-D6EE-FDD0-05C259BB8DE4}"/>
+                  </a:ext>
+                </a:extLst>
+              </p14:cNvPr>
+              <p14:cNvContentPartPr/>
+              <p14:nvPr/>
+            </p14:nvContentPartPr>
+            <p14:xfrm>
+              <a:off x="6901704" y="6080616"/>
+              <a:ext cx="3201840" cy="276480"/>
+            </p14:xfrm>
+          </p:contentPart>
+        </mc:Choice>
+        <mc:Fallback>
+          <p:pic>
+            <p:nvPicPr>
+              <p:cNvPr id="9" name="Ink 8">
+                <a:extLst>
+                  <a:ext uri="{FF2B5EF4-FFF2-40B4-BE49-F238E27FC236}">
+                    <a16:creationId xmlns:a16="http://schemas.microsoft.com/office/drawing/2014/main" id="{E9F72555-8F08-D6EE-FDD0-05C259BB8DE4}"/>
+                  </a:ext>
+                </a:extLst>
+              </p:cNvPr>
+              <p:cNvPicPr/>
+              <p:nvPr/>
+            </p:nvPicPr>
+            <p:blipFill>
+              <a:blip r:embed="rId6"/>
+              <a:stretch>
+                <a:fillRect/>
+              </a:stretch>
+            </p:blipFill>
+            <p:spPr>
+              <a:xfrm>
+                <a:off x="6847704" y="5972616"/>
+                <a:ext cx="3309480" cy="492120"/>
+              </a:xfrm>
+              <a:prstGeom prst="rect">
+                <a:avLst/>
+              </a:prstGeom>
+            </p:spPr>
+          </p:pic>
+        </mc:Fallback>
+      </mc:AlternateContent>
+    </p:spTree>
+    <p:extLst>
+      <p:ext uri="{BB962C8B-B14F-4D97-AF65-F5344CB8AC3E}">
+        <p14:creationId xmlns:p14="http://schemas.microsoft.com/office/powerpoint/2010/main" val="1802249109"/>
       </p:ext>
     </p:extLst>
   </p:cSld>
@@ -6463,4 +9636,319 @@
     </a:ext>
   </a:extLst>
 </a:theme>
+</file>
+
+<file path=ppt/theme/theme2.xml><?xml version="1.0" encoding="utf-8"?>
+<a:theme xmlns:a="http://schemas.openxmlformats.org/drawingml/2006/main" name="Office Theme">
+  <a:themeElements>
+    <a:clrScheme name="Office">
+      <a:dk1>
+        <a:sysClr val="windowText" lastClr="000000"/>
+      </a:dk1>
+      <a:lt1>
+        <a:sysClr val="window" lastClr="FFFFFF"/>
+      </a:lt1>
+      <a:dk2>
+        <a:srgbClr val="0E2841"/>
+      </a:dk2>
+      <a:lt2>
+        <a:srgbClr val="E8E8E8"/>
+      </a:lt2>
+      <a:accent1>
+        <a:srgbClr val="156082"/>
+      </a:accent1>
+      <a:accent2>
+        <a:srgbClr val="E97132"/>
+      </a:accent2>
+      <a:accent3>
+        <a:srgbClr val="196B24"/>
+      </a:accent3>
+      <a:accent4>
+        <a:srgbClr val="0F9ED5"/>
+      </a:accent4>
+      <a:accent5>
+        <a:srgbClr val="A02B93"/>
+      </a:accent5>
+      <a:accent6>
+        <a:srgbClr val="4EA72E"/>
+      </a:accent6>
+      <a:hlink>
+        <a:srgbClr val="467886"/>
+      </a:hlink>
+      <a:folHlink>
+        <a:srgbClr val="96607D"/>
+      </a:folHlink>
+    </a:clrScheme>
+    <a:fontScheme name="Office">
+      <a:majorFont>
+        <a:latin typeface="Aptos Display" panose="02110004020202020204"/>
+        <a:ea typeface=""/>
+        <a:cs typeface=""/>
+        <a:font script="Jpan" typeface="游ゴシック Light"/>
+        <a:font script="Hang" typeface="맑은 고딕"/>
+        <a:font script="Hans" typeface="等线 Light"/>
+        <a:font script="Hant" typeface="新細明體"/>
+        <a:font script="Arab" typeface="Times New Roman"/>
+        <a:font script="Hebr" typeface="Times New Roman"/>
+        <a:font script="Thai" typeface="Angsana New"/>
+        <a:font script="Ethi" typeface="Nyala"/>
+        <a:font script="Beng" typeface="Vrinda"/>
+        <a:font script="Gujr" typeface="Shruti"/>
+        <a:font script="Khmr" typeface="MoolBoran"/>
+        <a:font script="Knda" typeface="Tunga"/>
+        <a:font script="Guru" typeface="Raavi"/>
+        <a:font script="Cans" typeface="Euphemia"/>
+        <a:font script="Cher" typeface="Plantagenet Cherokee"/>
+        <a:font script="Yiii" typeface="Microsoft Yi Baiti"/>
+        <a:font script="Tibt" typeface="Microsoft Himalaya"/>
+        <a:font script="Thaa" typeface="MV Boli"/>
+        <a:font script="Deva" typeface="Mangal"/>
+        <a:font script="Telu" typeface="Gautami"/>
+        <a:font script="Taml" typeface="Latha"/>
+        <a:font script="Syrc" typeface="Estrangelo Edessa"/>
+        <a:font script="Orya" typeface="Kalinga"/>
+        <a:font script="Mlym" typeface="Kartika"/>
+        <a:font script="Laoo" typeface="DokChampa"/>
+        <a:font script="Sinh" typeface="Iskoola Pota"/>
+        <a:font script="Mong" typeface="Mongolian Baiti"/>
+        <a:font script="Viet" typeface="Times New Roman"/>
+        <a:font script="Uigh" typeface="Microsoft Uighur"/>
+        <a:font script="Geor" typeface="Sylfaen"/>
+        <a:font script="Armn" typeface="Arial"/>
+        <a:font script="Bugi" typeface="Leelawadee UI"/>
+        <a:font script="Bopo" typeface="Microsoft JhengHei"/>
+        <a:font script="Java" typeface="Javanese Text"/>
+        <a:font script="Lisu" typeface="Segoe UI"/>
+        <a:font script="Mymr" typeface="Myanmar Text"/>
+        <a:font script="Nkoo" typeface="Ebrima"/>
+        <a:font script="Olck" typeface="Nirmala UI"/>
+        <a:font script="Osma" typeface="Ebrima"/>
+        <a:font script="Phag" typeface="Phagspa"/>
+        <a:font script="Syrn" typeface="Estrangelo Edessa"/>
+        <a:font script="Syrj" typeface="Estrangelo Edessa"/>
+        <a:font script="Syre" typeface="Estrangelo Edessa"/>
+        <a:font script="Sora" typeface="Nirmala UI"/>
+        <a:font script="Tale" typeface="Microsoft Tai Le"/>
+        <a:font script="Talu" typeface="Microsoft New Tai Lue"/>
+        <a:font script="Tfng" typeface="Ebrima"/>
+      </a:majorFont>
+      <a:minorFont>
+        <a:latin typeface="Aptos" panose="02110004020202020204"/>
+        <a:ea typeface=""/>
+        <a:cs typeface=""/>
+        <a:font script="Jpan" typeface="游ゴシック"/>
+        <a:font script="Hang" typeface="맑은 고딕"/>
+        <a:font script="Hans" typeface="等线"/>
+        <a:font script="Hant" typeface="新細明體"/>
+        <a:font script="Arab" typeface="Arial"/>
+        <a:font script="Hebr" typeface="Arial"/>
+        <a:font script="Thai" typeface="Cordia New"/>
+        <a:font script="Ethi" typeface="Nyala"/>
+        <a:font script="Beng" typeface="Vrinda"/>
+        <a:font script="Gujr" typeface="Shruti"/>
+        <a:font script="Khmr" typeface="DaunPenh"/>
+        <a:font script="Knda" typeface="Tunga"/>
+        <a:font script="Guru" typeface="Raavi"/>
+        <a:font script="Cans" typeface="Euphemia"/>
+        <a:font script="Cher" typeface="Plantagenet Cherokee"/>
+        <a:font script="Yiii" typeface="Microsoft Yi Baiti"/>
+        <a:font script="Tibt" typeface="Microsoft Himalaya"/>
+        <a:font script="Thaa" typeface="MV Boli"/>
+        <a:font script="Deva" typeface="Mangal"/>
+        <a:font script="Telu" typeface="Gautami"/>
+        <a:font script="Taml" typeface="Latha"/>
+        <a:font script="Syrc" typeface="Estrangelo Edessa"/>
+        <a:font script="Orya" typeface="Kalinga"/>
+        <a:font script="Mlym" typeface="Kartika"/>
+        <a:font script="Laoo" typeface="DokChampa"/>
+        <a:font script="Sinh" typeface="Iskoola Pota"/>
+        <a:font script="Mong" typeface="Mongolian Baiti"/>
+        <a:font script="Viet" typeface="Arial"/>
+        <a:font script="Uigh" typeface="Microsoft Uighur"/>
+        <a:font script="Geor" typeface="Sylfaen"/>
+        <a:font script="Armn" typeface="Arial"/>
+        <a:font script="Bugi" typeface="Leelawadee UI"/>
+        <a:font script="Bopo" typeface="Microsoft JhengHei"/>
+        <a:font script="Java" typeface="Javanese Text"/>
+        <a:font script="Lisu" typeface="Segoe UI"/>
+        <a:font script="Mymr" typeface="Myanmar Text"/>
+        <a:font script="Nkoo" typeface="Ebrima"/>
+        <a:font script="Olck" typeface="Nirmala UI"/>
+        <a:font script="Osma" typeface="Ebrima"/>
+        <a:font script="Phag" typeface="Phagspa"/>
+        <a:font script="Syrn" typeface="Estrangelo Edessa"/>
+        <a:font script="Syrj" typeface="Estrangelo Edessa"/>
+        <a:font script="Syre" typeface="Estrangelo Edessa"/>
+        <a:font script="Sora" typeface="Nirmala UI"/>
+        <a:font script="Tale" typeface="Microsoft Tai Le"/>
+        <a:font script="Talu" typeface="Microsoft New Tai Lue"/>
+        <a:font script="Tfng" typeface="Ebrima"/>
+      </a:minorFont>
+    </a:fontScheme>
+    <a:fmtScheme name="Office">
+      <a:fillStyleLst>
+        <a:solidFill>
+          <a:schemeClr val="phClr"/>
+        </a:solidFill>
+        <a:gradFill rotWithShape="1">
+          <a:gsLst>
+            <a:gs pos="0">
+              <a:schemeClr val="phClr">
+                <a:lumMod val="110000"/>
+                <a:satMod val="105000"/>
+                <a:tint val="67000"/>
+              </a:schemeClr>
+            </a:gs>
+            <a:gs pos="50000">
+              <a:schemeClr val="phClr">
+                <a:lumMod val="105000"/>
+                <a:satMod val="103000"/>
+                <a:tint val="73000"/>
+              </a:schemeClr>
+            </a:gs>
+            <a:gs pos="100000">
+              <a:schemeClr val="phClr">
+                <a:lumMod val="105000"/>
+                <a:satMod val="109000"/>
+                <a:tint val="81000"/>
+              </a:schemeClr>
+            </a:gs>
+          </a:gsLst>
+          <a:lin ang="5400000" scaled="0"/>
+        </a:gradFill>
+        <a:gradFill rotWithShape="1">
+          <a:gsLst>
+            <a:gs pos="0">
+              <a:schemeClr val="phClr">
+                <a:satMod val="103000"/>
+                <a:lumMod val="102000"/>
+                <a:tint val="94000"/>
+              </a:schemeClr>
+            </a:gs>
+            <a:gs pos="50000">
+              <a:schemeClr val="phClr">
+                <a:satMod val="110000"/>
+                <a:lumMod val="100000"/>
+                <a:shade val="100000"/>
+              </a:schemeClr>
+            </a:gs>
+            <a:gs pos="100000">
+              <a:schemeClr val="phClr">
+                <a:lumMod val="99000"/>
+                <a:satMod val="120000"/>
+                <a:shade val="78000"/>
+              </a:schemeClr>
+            </a:gs>
+          </a:gsLst>
+          <a:lin ang="5400000" scaled="0"/>
+        </a:gradFill>
+      </a:fillStyleLst>
+      <a:lnStyleLst>
+        <a:ln w="12700" cap="flat" cmpd="sng" algn="ctr">
+          <a:solidFill>
+            <a:schemeClr val="phClr"/>
+          </a:solidFill>
+          <a:prstDash val="solid"/>
+          <a:miter lim="800000"/>
+        </a:ln>
+        <a:ln w="19050" cap="flat" cmpd="sng" algn="ctr">
+          <a:solidFill>
+            <a:schemeClr val="phClr"/>
+          </a:solidFill>
+          <a:prstDash val="solid"/>
+          <a:miter lim="800000"/>
+        </a:ln>
+        <a:ln w="25400" cap="flat" cmpd="sng" algn="ctr">
+          <a:solidFill>
+            <a:schemeClr val="phClr"/>
+          </a:solidFill>
+          <a:prstDash val="solid"/>
+          <a:miter lim="800000"/>
+        </a:ln>
+      </a:lnStyleLst>
+      <a:effectStyleLst>
+        <a:effectStyle>
+          <a:effectLst/>
+        </a:effectStyle>
+        <a:effectStyle>
+          <a:effectLst/>
+        </a:effectStyle>
+        <a:effectStyle>
+          <a:effectLst>
+            <a:outerShdw blurRad="57150" dist="19050" dir="5400000" algn="ctr" rotWithShape="0">
+              <a:srgbClr val="000000">
+                <a:alpha val="63000"/>
+              </a:srgbClr>
+            </a:outerShdw>
+          </a:effectLst>
+        </a:effectStyle>
+      </a:effectStyleLst>
+      <a:bgFillStyleLst>
+        <a:solidFill>
+          <a:schemeClr val="phClr"/>
+        </a:solidFill>
+        <a:solidFill>
+          <a:schemeClr val="phClr">
+            <a:tint val="95000"/>
+            <a:satMod val="170000"/>
+          </a:schemeClr>
+        </a:solidFill>
+        <a:gradFill rotWithShape="1">
+          <a:gsLst>
+            <a:gs pos="0">
+              <a:schemeClr val="phClr">
+                <a:tint val="93000"/>
+                <a:satMod val="150000"/>
+                <a:shade val="98000"/>
+                <a:lumMod val="102000"/>
+              </a:schemeClr>
+            </a:gs>
+            <a:gs pos="50000">
+              <a:schemeClr val="phClr">
+                <a:tint val="98000"/>
+                <a:satMod val="130000"/>
+                <a:shade val="90000"/>
+                <a:lumMod val="103000"/>
+              </a:schemeClr>
+            </a:gs>
+            <a:gs pos="100000">
+              <a:schemeClr val="phClr">
+                <a:shade val="63000"/>
+                <a:satMod val="120000"/>
+              </a:schemeClr>
+            </a:gs>
+          </a:gsLst>
+          <a:lin ang="5400000" scaled="0"/>
+        </a:gradFill>
+      </a:bgFillStyleLst>
+    </a:fmtScheme>
+  </a:themeElements>
+  <a:objectDefaults>
+    <a:lnDef>
+      <a:spPr/>
+      <a:bodyPr/>
+      <a:lstStyle/>
+      <a:style>
+        <a:lnRef idx="2">
+          <a:schemeClr val="accent1"/>
+        </a:lnRef>
+        <a:fillRef idx="0">
+          <a:schemeClr val="accent1"/>
+        </a:fillRef>
+        <a:effectRef idx="1">
+          <a:schemeClr val="accent1"/>
+        </a:effectRef>
+        <a:fontRef idx="minor">
+          <a:schemeClr val="tx1"/>
+        </a:fontRef>
+      </a:style>
+    </a:lnDef>
+  </a:objectDefaults>
+  <a:extraClrSchemeLst/>
+  <a:extLst>
+    <a:ext uri="{05A4C25C-085E-4340-85A3-A5531E510DB2}">
+      <thm15:themeFamily xmlns:thm15="http://schemas.microsoft.com/office/thememl/2012/main" name="Office Theme" id="{2E142A2C-CD16-42D6-873A-C26D2A0506FA}" vid="{1BDDFF52-6CD6-40A5-AB3C-68EB2F1E4D0A}"/>
+    </a:ext>
+  </a:extLst>
+</a:theme>
 </file>